--- a/Project/InterimPresentation.pptx
+++ b/Project/InterimPresentation.pptx
@@ -5,19 +5,30 @@
     <p:sldMasterId id="2147483660" r:id="rId1"/>
   </p:sldMasterIdLst>
   <p:notesMasterIdLst>
-    <p:notesMasterId r:id="rId12"/>
+    <p:notesMasterId r:id="rId23"/>
   </p:notesMasterIdLst>
   <p:sldIdLst>
     <p:sldId id="256" r:id="rId2"/>
-    <p:sldId id="257" r:id="rId3"/>
-    <p:sldId id="299" r:id="rId4"/>
-    <p:sldId id="302" r:id="rId5"/>
-    <p:sldId id="300" r:id="rId6"/>
-    <p:sldId id="304" r:id="rId7"/>
-    <p:sldId id="297" r:id="rId8"/>
-    <p:sldId id="298" r:id="rId9"/>
-    <p:sldId id="301" r:id="rId10"/>
-    <p:sldId id="281" r:id="rId11"/>
+    <p:sldId id="309" r:id="rId3"/>
+    <p:sldId id="257" r:id="rId4"/>
+    <p:sldId id="316" r:id="rId5"/>
+    <p:sldId id="299" r:id="rId6"/>
+    <p:sldId id="302" r:id="rId7"/>
+    <p:sldId id="300" r:id="rId8"/>
+    <p:sldId id="308" r:id="rId9"/>
+    <p:sldId id="297" r:id="rId10"/>
+    <p:sldId id="310" r:id="rId11"/>
+    <p:sldId id="315" r:id="rId12"/>
+    <p:sldId id="305" r:id="rId13"/>
+    <p:sldId id="312" r:id="rId14"/>
+    <p:sldId id="313" r:id="rId15"/>
+    <p:sldId id="306" r:id="rId16"/>
+    <p:sldId id="301" r:id="rId17"/>
+    <p:sldId id="314" r:id="rId18"/>
+    <p:sldId id="317" r:id="rId19"/>
+    <p:sldId id="298" r:id="rId20"/>
+    <p:sldId id="281" r:id="rId21"/>
+    <p:sldId id="318" r:id="rId22"/>
   </p:sldIdLst>
   <p:sldSz cx="9144000" cy="6858000" type="screen4x3"/>
   <p:notesSz cx="6858000" cy="9144000"/>
@@ -202,7 +213,7 @@
             <a:fld id="{B1276544-A668-4050-9B33-F4CC7A6280CC}" type="datetimeFigureOut">
               <a:rPr lang="en-US" smtClean="0"/>
               <a:pPr/>
-              <a:t>3/9/2010</a:t>
+              <a:t>3/14/2010</a:t>
             </a:fld>
             <a:endParaRPr lang="en-US"/>
           </a:p>
@@ -536,7 +547,253 @@
             <a:fld id="{B0511807-729B-42C4-AFF6-2A42C2749713}" type="slidenum">
               <a:rPr lang="en-US" smtClean="0"/>
               <a:pPr/>
-              <a:t>2</a:t>
+              <a:t>1</a:t>
+            </a:fld>
+            <a:endParaRPr lang="en-US"/>
+          </a:p>
+        </p:txBody>
+      </p:sp>
+    </p:spTree>
+  </p:cSld>
+  <p:clrMapOvr>
+    <a:masterClrMapping/>
+  </p:clrMapOvr>
+</p:notes>
+</file>
+
+<file path=ppt/notesSlides/notesSlide2.xml><?xml version="1.0" encoding="utf-8"?>
+<p:notes xmlns:a="http://schemas.openxmlformats.org/drawingml/2006/main" xmlns:r="http://schemas.openxmlformats.org/officeDocument/2006/relationships" xmlns:p="http://schemas.openxmlformats.org/presentationml/2006/main">
+  <p:cSld>
+    <p:spTree>
+      <p:nvGrpSpPr>
+        <p:cNvPr id="1" name=""/>
+        <p:cNvGrpSpPr/>
+        <p:nvPr/>
+      </p:nvGrpSpPr>
+      <p:grpSpPr>
+        <a:xfrm>
+          <a:off x="0" y="0"/>
+          <a:ext cx="0" cy="0"/>
+          <a:chOff x="0" y="0"/>
+          <a:chExt cx="0" cy="0"/>
+        </a:xfrm>
+      </p:grpSpPr>
+      <p:sp>
+        <p:nvSpPr>
+          <p:cNvPr id="2" name="Slide Image Placeholder 1"/>
+          <p:cNvSpPr>
+            <a:spLocks noGrp="1" noRot="1" noChangeAspect="1"/>
+          </p:cNvSpPr>
+          <p:nvPr>
+            <p:ph type="sldImg"/>
+          </p:nvPr>
+        </p:nvSpPr>
+        <p:spPr/>
+      </p:sp>
+      <p:sp>
+        <p:nvSpPr>
+          <p:cNvPr id="3" name="Notes Placeholder 2"/>
+          <p:cNvSpPr>
+            <a:spLocks noGrp="1"/>
+          </p:cNvSpPr>
+          <p:nvPr>
+            <p:ph type="body" idx="1"/>
+          </p:nvPr>
+        </p:nvSpPr>
+        <p:spPr/>
+        <p:txBody>
+          <a:bodyPr>
+            <a:normAutofit/>
+          </a:bodyPr>
+          <a:lstStyle/>
+          <a:p>
+            <a:endParaRPr lang="en-US" dirty="0"/>
+          </a:p>
+        </p:txBody>
+      </p:sp>
+      <p:sp>
+        <p:nvSpPr>
+          <p:cNvPr id="4" name="Slide Number Placeholder 3"/>
+          <p:cNvSpPr>
+            <a:spLocks noGrp="1"/>
+          </p:cNvSpPr>
+          <p:nvPr>
+            <p:ph type="sldNum" sz="quarter" idx="10"/>
+          </p:nvPr>
+        </p:nvSpPr>
+        <p:spPr/>
+        <p:txBody>
+          <a:bodyPr/>
+          <a:lstStyle/>
+          <a:p>
+            <a:fld id="{B0511807-729B-42C4-AFF6-2A42C2749713}" type="slidenum">
+              <a:rPr lang="en-US" smtClean="0"/>
+              <a:pPr/>
+              <a:t>3</a:t>
+            </a:fld>
+            <a:endParaRPr lang="en-US"/>
+          </a:p>
+        </p:txBody>
+      </p:sp>
+    </p:spTree>
+  </p:cSld>
+  <p:clrMapOvr>
+    <a:masterClrMapping/>
+  </p:clrMapOvr>
+</p:notes>
+</file>
+
+<file path=ppt/notesSlides/notesSlide3.xml><?xml version="1.0" encoding="utf-8"?>
+<p:notes xmlns:a="http://schemas.openxmlformats.org/drawingml/2006/main" xmlns:r="http://schemas.openxmlformats.org/officeDocument/2006/relationships" xmlns:p="http://schemas.openxmlformats.org/presentationml/2006/main">
+  <p:cSld>
+    <p:spTree>
+      <p:nvGrpSpPr>
+        <p:cNvPr id="1" name=""/>
+        <p:cNvGrpSpPr/>
+        <p:nvPr/>
+      </p:nvGrpSpPr>
+      <p:grpSpPr>
+        <a:xfrm>
+          <a:off x="0" y="0"/>
+          <a:ext cx="0" cy="0"/>
+          <a:chOff x="0" y="0"/>
+          <a:chExt cx="0" cy="0"/>
+        </a:xfrm>
+      </p:grpSpPr>
+      <p:sp>
+        <p:nvSpPr>
+          <p:cNvPr id="2" name="Slide Image Placeholder 1"/>
+          <p:cNvSpPr>
+            <a:spLocks noGrp="1" noRot="1" noChangeAspect="1"/>
+          </p:cNvSpPr>
+          <p:nvPr>
+            <p:ph type="sldImg"/>
+          </p:nvPr>
+        </p:nvSpPr>
+        <p:spPr/>
+      </p:sp>
+      <p:sp>
+        <p:nvSpPr>
+          <p:cNvPr id="3" name="Notes Placeholder 2"/>
+          <p:cNvSpPr>
+            <a:spLocks noGrp="1"/>
+          </p:cNvSpPr>
+          <p:nvPr>
+            <p:ph type="body" idx="1"/>
+          </p:nvPr>
+        </p:nvSpPr>
+        <p:spPr/>
+        <p:txBody>
+          <a:bodyPr>
+            <a:normAutofit/>
+          </a:bodyPr>
+          <a:lstStyle/>
+          <a:p>
+            <a:endParaRPr lang="en-US" dirty="0"/>
+          </a:p>
+        </p:txBody>
+      </p:sp>
+      <p:sp>
+        <p:nvSpPr>
+          <p:cNvPr id="4" name="Slide Number Placeholder 3"/>
+          <p:cNvSpPr>
+            <a:spLocks noGrp="1"/>
+          </p:cNvSpPr>
+          <p:nvPr>
+            <p:ph type="sldNum" sz="quarter" idx="10"/>
+          </p:nvPr>
+        </p:nvSpPr>
+        <p:spPr/>
+        <p:txBody>
+          <a:bodyPr/>
+          <a:lstStyle/>
+          <a:p>
+            <a:fld id="{B0511807-729B-42C4-AFF6-2A42C2749713}" type="slidenum">
+              <a:rPr lang="en-US" smtClean="0"/>
+              <a:pPr/>
+              <a:t>15</a:t>
+            </a:fld>
+            <a:endParaRPr lang="en-US"/>
+          </a:p>
+        </p:txBody>
+      </p:sp>
+    </p:spTree>
+  </p:cSld>
+  <p:clrMapOvr>
+    <a:masterClrMapping/>
+  </p:clrMapOvr>
+</p:notes>
+</file>
+
+<file path=ppt/notesSlides/notesSlide4.xml><?xml version="1.0" encoding="utf-8"?>
+<p:notes xmlns:a="http://schemas.openxmlformats.org/drawingml/2006/main" xmlns:r="http://schemas.openxmlformats.org/officeDocument/2006/relationships" xmlns:p="http://schemas.openxmlformats.org/presentationml/2006/main">
+  <p:cSld>
+    <p:spTree>
+      <p:nvGrpSpPr>
+        <p:cNvPr id="1" name=""/>
+        <p:cNvGrpSpPr/>
+        <p:nvPr/>
+      </p:nvGrpSpPr>
+      <p:grpSpPr>
+        <a:xfrm>
+          <a:off x="0" y="0"/>
+          <a:ext cx="0" cy="0"/>
+          <a:chOff x="0" y="0"/>
+          <a:chExt cx="0" cy="0"/>
+        </a:xfrm>
+      </p:grpSpPr>
+      <p:sp>
+        <p:nvSpPr>
+          <p:cNvPr id="2" name="Slide Image Placeholder 1"/>
+          <p:cNvSpPr>
+            <a:spLocks noGrp="1" noRot="1" noChangeAspect="1"/>
+          </p:cNvSpPr>
+          <p:nvPr>
+            <p:ph type="sldImg"/>
+          </p:nvPr>
+        </p:nvSpPr>
+        <p:spPr/>
+      </p:sp>
+      <p:sp>
+        <p:nvSpPr>
+          <p:cNvPr id="3" name="Notes Placeholder 2"/>
+          <p:cNvSpPr>
+            <a:spLocks noGrp="1"/>
+          </p:cNvSpPr>
+          <p:nvPr>
+            <p:ph type="body" idx="1"/>
+          </p:nvPr>
+        </p:nvSpPr>
+        <p:spPr/>
+        <p:txBody>
+          <a:bodyPr>
+            <a:normAutofit/>
+          </a:bodyPr>
+          <a:lstStyle/>
+          <a:p>
+            <a:endParaRPr lang="en-US" dirty="0"/>
+          </a:p>
+        </p:txBody>
+      </p:sp>
+      <p:sp>
+        <p:nvSpPr>
+          <p:cNvPr id="4" name="Slide Number Placeholder 3"/>
+          <p:cNvSpPr>
+            <a:spLocks noGrp="1"/>
+          </p:cNvSpPr>
+          <p:nvPr>
+            <p:ph type="sldNum" sz="quarter" idx="10"/>
+          </p:nvPr>
+        </p:nvSpPr>
+        <p:spPr/>
+        <p:txBody>
+          <a:bodyPr/>
+          <a:lstStyle/>
+          <a:p>
+            <a:fld id="{B0511807-729B-42C4-AFF6-2A42C2749713}" type="slidenum">
+              <a:rPr lang="en-US" smtClean="0"/>
+              <a:pPr/>
+              <a:t>16</a:t>
             </a:fld>
             <a:endParaRPr lang="en-US"/>
           </a:p>
@@ -724,7 +981,7 @@
             <a:fld id="{60D031E8-CA3C-4208-A7FA-7F59521C15CB}" type="datetimeFigureOut">
               <a:rPr lang="en-US" smtClean="0"/>
               <a:pPr/>
-              <a:t>3/9/2010</a:t>
+              <a:t>3/14/2010</a:t>
             </a:fld>
             <a:endParaRPr lang="en-US"/>
           </a:p>
@@ -891,7 +1148,7 @@
             <a:fld id="{60D031E8-CA3C-4208-A7FA-7F59521C15CB}" type="datetimeFigureOut">
               <a:rPr lang="en-US" smtClean="0"/>
               <a:pPr/>
-              <a:t>3/9/2010</a:t>
+              <a:t>3/14/2010</a:t>
             </a:fld>
             <a:endParaRPr lang="en-US"/>
           </a:p>
@@ -1068,7 +1325,7 @@
             <a:fld id="{60D031E8-CA3C-4208-A7FA-7F59521C15CB}" type="datetimeFigureOut">
               <a:rPr lang="en-US" smtClean="0"/>
               <a:pPr/>
-              <a:t>3/9/2010</a:t>
+              <a:t>3/14/2010</a:t>
             </a:fld>
             <a:endParaRPr lang="en-US"/>
           </a:p>
@@ -1235,7 +1492,7 @@
             <a:fld id="{60D031E8-CA3C-4208-A7FA-7F59521C15CB}" type="datetimeFigureOut">
               <a:rPr lang="en-US" smtClean="0"/>
               <a:pPr/>
-              <a:t>3/9/2010</a:t>
+              <a:t>3/14/2010</a:t>
             </a:fld>
             <a:endParaRPr lang="en-US"/>
           </a:p>
@@ -1479,7 +1736,7 @@
             <a:fld id="{60D031E8-CA3C-4208-A7FA-7F59521C15CB}" type="datetimeFigureOut">
               <a:rPr lang="en-US" smtClean="0"/>
               <a:pPr/>
-              <a:t>3/9/2010</a:t>
+              <a:t>3/14/2010</a:t>
             </a:fld>
             <a:endParaRPr lang="en-US"/>
           </a:p>
@@ -1745,7 +2002,7 @@
             <a:fld id="{60D031E8-CA3C-4208-A7FA-7F59521C15CB}" type="datetimeFigureOut">
               <a:rPr lang="en-US" smtClean="0"/>
               <a:pPr/>
-              <a:t>3/9/2010</a:t>
+              <a:t>3/14/2010</a:t>
             </a:fld>
             <a:endParaRPr lang="en-US"/>
           </a:p>
@@ -2125,7 +2382,7 @@
             <a:fld id="{60D031E8-CA3C-4208-A7FA-7F59521C15CB}" type="datetimeFigureOut">
               <a:rPr lang="en-US" smtClean="0"/>
               <a:pPr/>
-              <a:t>3/9/2010</a:t>
+              <a:t>3/14/2010</a:t>
             </a:fld>
             <a:endParaRPr lang="en-US"/>
           </a:p>
@@ -2277,7 +2534,7 @@
             <a:fld id="{60D031E8-CA3C-4208-A7FA-7F59521C15CB}" type="datetimeFigureOut">
               <a:rPr lang="en-US" smtClean="0"/>
               <a:pPr/>
-              <a:t>3/9/2010</a:t>
+              <a:t>3/14/2010</a:t>
             </a:fld>
             <a:endParaRPr lang="en-US"/>
           </a:p>
@@ -2369,7 +2626,7 @@
             <a:fld id="{60D031E8-CA3C-4208-A7FA-7F59521C15CB}" type="datetimeFigureOut">
               <a:rPr lang="en-US" smtClean="0"/>
               <a:pPr/>
-              <a:t>3/9/2010</a:t>
+              <a:t>3/14/2010</a:t>
             </a:fld>
             <a:endParaRPr lang="en-US"/>
           </a:p>
@@ -2632,7 +2889,7 @@
             <a:fld id="{60D031E8-CA3C-4208-A7FA-7F59521C15CB}" type="datetimeFigureOut">
               <a:rPr lang="en-US" smtClean="0"/>
               <a:pPr/>
-              <a:t>3/9/2010</a:t>
+              <a:t>3/14/2010</a:t>
             </a:fld>
             <a:endParaRPr lang="en-US"/>
           </a:p>
@@ -2922,7 +3179,7 @@
             <a:fld id="{60D031E8-CA3C-4208-A7FA-7F59521C15CB}" type="datetimeFigureOut">
               <a:rPr lang="en-US" smtClean="0"/>
               <a:pPr/>
-              <a:t>3/9/2010</a:t>
+              <a:t>3/14/2010</a:t>
             </a:fld>
             <a:endParaRPr lang="en-US"/>
           </a:p>
@@ -3695,7 +3952,7 @@
             <a:fld id="{60D031E8-CA3C-4208-A7FA-7F59521C15CB}" type="datetimeFigureOut">
               <a:rPr lang="en-US" smtClean="0"/>
               <a:pPr/>
-              <a:t>3/9/2010</a:t>
+              <a:t>3/14/2010</a:t>
             </a:fld>
             <a:endParaRPr lang="en-US"/>
           </a:p>
@@ -4326,12 +4583,22 @@
         </p:nvSpPr>
         <p:spPr/>
         <p:txBody>
-          <a:bodyPr/>
-          <a:lstStyle/>
-          <a:p>
-            <a:r>
-              <a:rPr lang="en-US" dirty="0" smtClean="0"/>
-              <a:t>Uncompressing a Projection Index in CUDA</a:t>
+          <a:bodyPr>
+            <a:normAutofit fontScale="90000"/>
+          </a:bodyPr>
+          <a:lstStyle/>
+          <a:p>
+            <a:r>
+              <a:rPr lang="en-US" dirty="0" smtClean="0"/>
+              <a:t>Uncompressing a Projection Index </a:t>
+            </a:r>
+            <a:r>
+              <a:rPr lang="en-US" dirty="0" smtClean="0"/>
+              <a:t>with </a:t>
+            </a:r>
+            <a:r>
+              <a:rPr lang="en-US" dirty="0" smtClean="0"/>
+              <a:t>CUDA</a:t>
             </a:r>
             <a:endParaRPr lang="en-US" dirty="0"/>
           </a:p>
@@ -4394,6 +4661,145 @@
       </p:grpSpPr>
       <p:sp>
         <p:nvSpPr>
+          <p:cNvPr id="5" name="Title 4"/>
+          <p:cNvSpPr>
+            <a:spLocks noGrp="1"/>
+          </p:cNvSpPr>
+          <p:nvPr>
+            <p:ph type="title"/>
+          </p:nvPr>
+        </p:nvSpPr>
+        <p:spPr/>
+        <p:txBody>
+          <a:bodyPr/>
+          <a:lstStyle/>
+          <a:p>
+            <a:r>
+              <a:rPr lang="en-US" dirty="0" smtClean="0"/>
+              <a:t>Uncompressing the Index.</a:t>
+            </a:r>
+            <a:endParaRPr lang="en-US" dirty="0"/>
+          </a:p>
+        </p:txBody>
+      </p:sp>
+      <p:sp>
+        <p:nvSpPr>
+          <p:cNvPr id="6" name="Content Placeholder 5"/>
+          <p:cNvSpPr>
+            <a:spLocks noGrp="1"/>
+          </p:cNvSpPr>
+          <p:nvPr>
+            <p:ph idx="1"/>
+          </p:nvPr>
+        </p:nvSpPr>
+        <p:spPr/>
+        <p:txBody>
+          <a:bodyPr/>
+          <a:lstStyle/>
+          <a:p>
+            <a:pPr marL="274320" lvl="1" indent="-274320">
+              <a:buClr>
+                <a:schemeClr val="accent3"/>
+              </a:buClr>
+              <a:buSzPct val="95000"/>
+            </a:pPr>
+            <a:r>
+              <a:rPr lang="en-US" dirty="0" smtClean="0"/>
+              <a:t>Use the last element of the prefix sum, allocate the amount of memory necessary.</a:t>
+            </a:r>
+          </a:p>
+          <a:p>
+            <a:pPr marL="274320" lvl="1" indent="-274320">
+              <a:buClr>
+                <a:schemeClr val="accent3"/>
+              </a:buClr>
+              <a:buSzPct val="95000"/>
+            </a:pPr>
+            <a:r>
+              <a:rPr lang="en-US" dirty="0" smtClean="0"/>
+              <a:t>Use the </a:t>
+            </a:r>
+            <a:r>
+              <a:rPr lang="en-US" u="sng" dirty="0" smtClean="0"/>
+              <a:t>Exclusive Scan</a:t>
+            </a:r>
+            <a:r>
+              <a:rPr lang="en-US" dirty="0" smtClean="0"/>
+              <a:t> array, to have each thread uncompress each of the array’s attribute values.</a:t>
+            </a:r>
+          </a:p>
+          <a:p>
+            <a:endParaRPr lang="en-US" dirty="0"/>
+          </a:p>
+        </p:txBody>
+      </p:sp>
+      <p:pic>
+        <p:nvPicPr>
+          <p:cNvPr id="3074" name="Picture 2"/>
+          <p:cNvPicPr>
+            <a:picLocks noChangeAspect="1" noChangeArrowheads="1"/>
+          </p:cNvPicPr>
+          <p:nvPr/>
+        </p:nvPicPr>
+        <p:blipFill>
+          <a:blip r:embed="rId2"/>
+          <a:srcRect/>
+          <a:stretch>
+            <a:fillRect/>
+          </a:stretch>
+        </p:blipFill>
+        <p:spPr bwMode="auto">
+          <a:xfrm>
+            <a:off x="2057400" y="3810000"/>
+            <a:ext cx="4999736" cy="1447800"/>
+          </a:xfrm>
+          <a:prstGeom prst="rect">
+            <a:avLst/>
+          </a:prstGeom>
+          <a:noFill/>
+          <a:ln w="9525">
+            <a:noFill/>
+            <a:miter lim="800000"/>
+            <a:headEnd/>
+            <a:tailEnd/>
+          </a:ln>
+          <a:effectLst/>
+        </p:spPr>
+      </p:pic>
+    </p:spTree>
+  </p:cSld>
+  <p:clrMapOvr>
+    <a:masterClrMapping/>
+  </p:clrMapOvr>
+  <p:timing>
+    <p:tnLst>
+      <p:par>
+        <p:cTn id="1" dur="indefinite" restart="never" nodeType="tmRoot"/>
+      </p:par>
+    </p:tnLst>
+  </p:timing>
+</p:sld>
+</file>
+
+<file path=ppt/slides/slide11.xml><?xml version="1.0" encoding="utf-8"?>
+<p:sld xmlns:a="http://schemas.openxmlformats.org/drawingml/2006/main" xmlns:r="http://schemas.openxmlformats.org/officeDocument/2006/relationships" xmlns:p="http://schemas.openxmlformats.org/presentationml/2006/main">
+  <p:cSld>
+    <p:spTree>
+      <p:nvGrpSpPr>
+        <p:cNvPr id="1" name=""/>
+        <p:cNvGrpSpPr/>
+        <p:nvPr/>
+      </p:nvGrpSpPr>
+      <p:grpSpPr>
+        <a:xfrm>
+          <a:off x="0" y="0"/>
+          <a:ext cx="0" cy="0"/>
+          <a:chOff x="0" y="0"/>
+          <a:chExt cx="0" cy="0"/>
+        </a:xfrm>
+      </p:grpSpPr>
+      <p:sp>
+        <p:nvSpPr>
           <p:cNvPr id="2" name="Title 1"/>
           <p:cNvSpPr>
             <a:spLocks noGrp="1"/>
@@ -4409,7 +4815,7 @@
           <a:p>
             <a:r>
               <a:rPr lang="en-US" dirty="0" smtClean="0"/>
-              <a:t>References</a:t>
+              <a:t>Outline</a:t>
             </a:r>
             <a:endParaRPr lang="en-US" dirty="0"/>
           </a:p>
@@ -4427,73 +4833,1201 @@
         </p:nvSpPr>
         <p:spPr/>
         <p:txBody>
+          <a:bodyPr/>
+          <a:lstStyle/>
+          <a:p>
+            <a:r>
+              <a:rPr lang="en-US" dirty="0" smtClean="0"/>
+              <a:t>Introduction and Motivation</a:t>
+            </a:r>
+          </a:p>
+          <a:p>
+            <a:r>
+              <a:rPr lang="en-US" dirty="0" smtClean="0"/>
+              <a:t>The Project</a:t>
+            </a:r>
+          </a:p>
+          <a:p>
+            <a:pPr lvl="1"/>
+            <a:r>
+              <a:rPr lang="en-US" dirty="0" smtClean="0"/>
+              <a:t>RLE Run Length Encoding</a:t>
+            </a:r>
+          </a:p>
+          <a:p>
+            <a:pPr lvl="1"/>
+            <a:r>
+              <a:rPr lang="en-US" dirty="0" smtClean="0"/>
+              <a:t>Uncompressing the Index</a:t>
+            </a:r>
+          </a:p>
+          <a:p>
+            <a:r>
+              <a:rPr lang="en-US" dirty="0" smtClean="0">
+                <a:solidFill>
+                  <a:srgbClr val="FF0000"/>
+                </a:solidFill>
+              </a:rPr>
+              <a:t>Parallel Prefix Sum </a:t>
+            </a:r>
+            <a:r>
+              <a:rPr lang="en-US" dirty="0" smtClean="0">
+                <a:solidFill>
+                  <a:srgbClr val="FF0000"/>
+                </a:solidFill>
+              </a:rPr>
+              <a:t>Algorithms</a:t>
+            </a:r>
+          </a:p>
+          <a:p>
+            <a:pPr lvl="1"/>
+            <a:r>
+              <a:rPr lang="en-US" dirty="0" smtClean="0"/>
+              <a:t>Naïve approach</a:t>
+            </a:r>
+          </a:p>
+          <a:p>
+            <a:pPr lvl="1"/>
+            <a:r>
+              <a:rPr lang="en-US" dirty="0" smtClean="0"/>
+              <a:t>Work-efficient algorithm</a:t>
+            </a:r>
+            <a:endParaRPr lang="en-US" dirty="0" smtClean="0"/>
+          </a:p>
+          <a:p>
+            <a:r>
+              <a:rPr lang="en-US" dirty="0" smtClean="0"/>
+              <a:t>Benchmarking</a:t>
+            </a:r>
+            <a:endParaRPr lang="en-US" dirty="0"/>
+          </a:p>
+        </p:txBody>
+      </p:sp>
+    </p:spTree>
+  </p:cSld>
+  <p:clrMapOvr>
+    <a:masterClrMapping/>
+  </p:clrMapOvr>
+  <p:timing>
+    <p:tnLst>
+      <p:par>
+        <p:cTn id="1" dur="indefinite" restart="never" nodeType="tmRoot"/>
+      </p:par>
+    </p:tnLst>
+  </p:timing>
+</p:sld>
+</file>
+
+<file path=ppt/slides/slide12.xml><?xml version="1.0" encoding="utf-8"?>
+<p:sld xmlns:a="http://schemas.openxmlformats.org/drawingml/2006/main" xmlns:r="http://schemas.openxmlformats.org/officeDocument/2006/relationships" xmlns:p="http://schemas.openxmlformats.org/presentationml/2006/main">
+  <p:cSld>
+    <p:spTree>
+      <p:nvGrpSpPr>
+        <p:cNvPr id="1" name=""/>
+        <p:cNvGrpSpPr/>
+        <p:nvPr/>
+      </p:nvGrpSpPr>
+      <p:grpSpPr>
+        <a:xfrm>
+          <a:off x="0" y="0"/>
+          <a:ext cx="0" cy="0"/>
+          <a:chOff x="0" y="0"/>
+          <a:chExt cx="0" cy="0"/>
+        </a:xfrm>
+      </p:grpSpPr>
+      <p:sp>
+        <p:nvSpPr>
+          <p:cNvPr id="6" name="Title 5"/>
+          <p:cNvSpPr>
+            <a:spLocks noGrp="1"/>
+          </p:cNvSpPr>
+          <p:nvPr>
+            <p:ph type="title"/>
+          </p:nvPr>
+        </p:nvSpPr>
+        <p:spPr/>
+        <p:txBody>
           <a:bodyPr>
-            <a:normAutofit fontScale="92500" lnSpcReduction="10000"/>
+            <a:normAutofit fontScale="90000"/>
           </a:bodyPr>
           <a:lstStyle/>
           <a:p>
             <a:r>
-              <a:rPr lang="en-US" dirty="0" err="1" smtClean="0"/>
-              <a:t>Gosink</a:t>
-            </a:r>
-            <a:r>
-              <a:rPr lang="en-US" dirty="0" smtClean="0"/>
-              <a:t>, L., </a:t>
-            </a:r>
-            <a:r>
-              <a:rPr lang="en-US" dirty="0" err="1" smtClean="0"/>
-              <a:t>Kesheng</a:t>
-            </a:r>
-            <a:r>
-              <a:rPr lang="en-US" dirty="0" smtClean="0"/>
-              <a:t> Wu, E. Wes Bethel, John D. Owens, Kenneth I. Joy: Data Parallel Bin-Based Indexing for Answering Queries on Multi-core Architectures. SSDBM 2009: 110-129</a:t>
-            </a:r>
-          </a:p>
-          <a:p>
-            <a:r>
-              <a:rPr lang="en-US" dirty="0" err="1" smtClean="0"/>
-              <a:t>Gosink</a:t>
-            </a:r>
-            <a:r>
-              <a:rPr lang="en-US" dirty="0" smtClean="0"/>
-              <a:t>, L., E. Wes Bethel, John D. Owens, Kenneth I. Joy. Bin-Hash Indexing: A Parallel GPU-Based Method For Fast Query Processing. IDAV (2008)</a:t>
-            </a:r>
-          </a:p>
-          <a:p>
-            <a:r>
-              <a:rPr lang="en-US" dirty="0" smtClean="0"/>
-              <a:t>Wu, K., </a:t>
-            </a:r>
-            <a:r>
-              <a:rPr lang="en-US" dirty="0" err="1" smtClean="0"/>
-              <a:t>Otoo</a:t>
-            </a:r>
-            <a:r>
-              <a:rPr lang="en-US" dirty="0" smtClean="0"/>
-              <a:t>, E., </a:t>
-            </a:r>
-            <a:r>
-              <a:rPr lang="en-US" dirty="0" err="1" smtClean="0"/>
-              <a:t>Shoshani</a:t>
-            </a:r>
-            <a:r>
-              <a:rPr lang="en-US" dirty="0" smtClean="0"/>
-              <a:t>, A.: On the performance of bitmap indices for high cardinality attributes. In: Proc. of VLDB, pp. 24–35 (2004)</a:t>
-            </a:r>
-          </a:p>
-          <a:p>
-            <a:r>
-              <a:rPr lang="en-US" dirty="0" smtClean="0"/>
-              <a:t>O’Neil, P.E., </a:t>
-            </a:r>
-            <a:r>
-              <a:rPr lang="en-US" dirty="0" err="1" smtClean="0"/>
-              <a:t>Quass</a:t>
-            </a:r>
-            <a:r>
-              <a:rPr lang="en-US" dirty="0" smtClean="0"/>
-              <a:t>, D.: Improved query performance with variant indexes. In: Proc. of SIGMOD, pp. 38–49 (1997)</a:t>
-            </a:r>
+              <a:rPr lang="en-US" dirty="0" smtClean="0"/>
+              <a:t>A Naïve Parallel Scan</a:t>
+            </a:r>
+            <a:br>
+              <a:rPr lang="en-US" dirty="0" smtClean="0"/>
+            </a:br>
+            <a:endParaRPr lang="en-US" dirty="0"/>
+          </a:p>
+        </p:txBody>
+      </p:sp>
+      <p:pic>
+        <p:nvPicPr>
+          <p:cNvPr id="2052" name="Picture 4"/>
+          <p:cNvPicPr>
+            <a:picLocks noChangeAspect="1" noChangeArrowheads="1"/>
+          </p:cNvPicPr>
+          <p:nvPr/>
+        </p:nvPicPr>
+        <p:blipFill>
+          <a:blip r:embed="rId2"/>
+          <a:srcRect/>
+          <a:stretch>
+            <a:fillRect/>
+          </a:stretch>
+        </p:blipFill>
+        <p:spPr bwMode="auto">
+          <a:xfrm>
+            <a:off x="426799" y="1524000"/>
+            <a:ext cx="7802801" cy="4350780"/>
+          </a:xfrm>
+          <a:prstGeom prst="rect">
+            <a:avLst/>
+          </a:prstGeom>
+          <a:noFill/>
+          <a:ln w="9525">
+            <a:noFill/>
+            <a:miter lim="800000"/>
+            <a:headEnd/>
+            <a:tailEnd/>
+          </a:ln>
+          <a:effectLst/>
+        </p:spPr>
+      </p:pic>
+      <p:sp>
+        <p:nvSpPr>
+          <p:cNvPr id="5" name="Rectangle 4"/>
+          <p:cNvSpPr/>
+          <p:nvPr/>
+        </p:nvSpPr>
+        <p:spPr>
+          <a:xfrm>
+            <a:off x="3505200" y="6172200"/>
+            <a:ext cx="4685642" cy="369332"/>
+          </a:xfrm>
+          <a:prstGeom prst="rect">
+            <a:avLst/>
+          </a:prstGeom>
+        </p:spPr>
+        <p:txBody>
+          <a:bodyPr wrap="none">
+            <a:spAutoFit/>
+          </a:bodyPr>
+          <a:lstStyle/>
+          <a:p>
+            <a:r>
+              <a:rPr lang="en-US" dirty="0" smtClean="0"/>
+              <a:t>Source: Parallel </a:t>
+            </a:r>
+            <a:r>
+              <a:rPr lang="en-US" dirty="0" smtClean="0"/>
+              <a:t>prefix sum (scan) with CUDA</a:t>
+            </a:r>
+            <a:endParaRPr lang="en-US" dirty="0"/>
+          </a:p>
+        </p:txBody>
+      </p:sp>
+    </p:spTree>
+  </p:cSld>
+  <p:clrMapOvr>
+    <a:masterClrMapping/>
+  </p:clrMapOvr>
+  <p:timing>
+    <p:tnLst>
+      <p:par>
+        <p:cTn id="1" dur="indefinite" restart="never" nodeType="tmRoot"/>
+      </p:par>
+    </p:tnLst>
+  </p:timing>
+</p:sld>
+</file>
+
+<file path=ppt/slides/slide13.xml><?xml version="1.0" encoding="utf-8"?>
+<p:sld xmlns:a="http://schemas.openxmlformats.org/drawingml/2006/main" xmlns:r="http://schemas.openxmlformats.org/officeDocument/2006/relationships" xmlns:p="http://schemas.openxmlformats.org/presentationml/2006/main">
+  <p:cSld>
+    <p:spTree>
+      <p:nvGrpSpPr>
+        <p:cNvPr id="1" name=""/>
+        <p:cNvGrpSpPr/>
+        <p:nvPr/>
+      </p:nvGrpSpPr>
+      <p:grpSpPr>
+        <a:xfrm>
+          <a:off x="0" y="0"/>
+          <a:ext cx="0" cy="0"/>
+          <a:chOff x="0" y="0"/>
+          <a:chExt cx="0" cy="0"/>
+        </a:xfrm>
+      </p:grpSpPr>
+      <p:sp>
+        <p:nvSpPr>
+          <p:cNvPr id="2" name="Title 1"/>
+          <p:cNvSpPr>
+            <a:spLocks noGrp="1"/>
+          </p:cNvSpPr>
+          <p:nvPr>
+            <p:ph type="title"/>
+          </p:nvPr>
+        </p:nvSpPr>
+        <p:spPr/>
+        <p:txBody>
+          <a:bodyPr/>
+          <a:lstStyle/>
+          <a:p>
+            <a:r>
+              <a:rPr lang="en-US" dirty="0" smtClean="0"/>
+              <a:t>A Naïve Parallel </a:t>
+            </a:r>
+            <a:r>
+              <a:rPr lang="en-US" dirty="0" smtClean="0"/>
+              <a:t>Scan</a:t>
+            </a:r>
+            <a:endParaRPr lang="en-US" dirty="0"/>
+          </a:p>
+        </p:txBody>
+      </p:sp>
+      <p:pic>
+        <p:nvPicPr>
+          <p:cNvPr id="4098" name="Picture 2"/>
+          <p:cNvPicPr>
+            <a:picLocks noGrp="1" noChangeAspect="1" noChangeArrowheads="1"/>
+          </p:cNvPicPr>
+          <p:nvPr>
+            <p:ph idx="1"/>
+          </p:nvPr>
+        </p:nvPicPr>
+        <p:blipFill>
+          <a:blip r:embed="rId2"/>
+          <a:srcRect/>
+          <a:stretch>
+            <a:fillRect/>
+          </a:stretch>
+        </p:blipFill>
+        <p:spPr bwMode="auto">
+          <a:xfrm>
+            <a:off x="1066800" y="2286000"/>
+            <a:ext cx="6581775" cy="1066800"/>
+          </a:xfrm>
+          <a:prstGeom prst="rect">
+            <a:avLst/>
+          </a:prstGeom>
+          <a:noFill/>
+          <a:ln w="9525">
+            <a:noFill/>
+            <a:miter lim="800000"/>
+            <a:headEnd/>
+            <a:tailEnd/>
+          </a:ln>
+          <a:effectLst/>
+        </p:spPr>
+      </p:pic>
+      <p:pic>
+        <p:nvPicPr>
+          <p:cNvPr id="4099" name="Picture 3"/>
+          <p:cNvPicPr>
+            <a:picLocks noChangeAspect="1" noChangeArrowheads="1"/>
+          </p:cNvPicPr>
+          <p:nvPr/>
+        </p:nvPicPr>
+        <p:blipFill>
+          <a:blip r:embed="rId3"/>
+          <a:srcRect/>
+          <a:stretch>
+            <a:fillRect/>
+          </a:stretch>
+        </p:blipFill>
+        <p:spPr bwMode="auto">
+          <a:xfrm>
+            <a:off x="1295400" y="3962400"/>
+            <a:ext cx="6096000" cy="1082261"/>
+          </a:xfrm>
+          <a:prstGeom prst="rect">
+            <a:avLst/>
+          </a:prstGeom>
+          <a:noFill/>
+          <a:ln w="9525">
+            <a:noFill/>
+            <a:miter lim="800000"/>
+            <a:headEnd/>
+            <a:tailEnd/>
+          </a:ln>
+          <a:effectLst/>
+        </p:spPr>
+      </p:pic>
+      <p:sp>
+        <p:nvSpPr>
+          <p:cNvPr id="6" name="Rectangle 5"/>
+          <p:cNvSpPr/>
+          <p:nvPr/>
+        </p:nvSpPr>
+        <p:spPr>
+          <a:xfrm>
+            <a:off x="3505200" y="5802868"/>
+            <a:ext cx="4685642" cy="369332"/>
+          </a:xfrm>
+          <a:prstGeom prst="rect">
+            <a:avLst/>
+          </a:prstGeom>
+        </p:spPr>
+        <p:txBody>
+          <a:bodyPr wrap="none">
+            <a:spAutoFit/>
+          </a:bodyPr>
+          <a:lstStyle/>
+          <a:p>
+            <a:r>
+              <a:rPr lang="en-US" dirty="0" smtClean="0"/>
+              <a:t>Source: Parallel </a:t>
+            </a:r>
+            <a:r>
+              <a:rPr lang="en-US" dirty="0" smtClean="0"/>
+              <a:t>prefix sum (scan) with CUDA</a:t>
+            </a:r>
+            <a:endParaRPr lang="en-US" dirty="0"/>
+          </a:p>
+        </p:txBody>
+      </p:sp>
+    </p:spTree>
+  </p:cSld>
+  <p:clrMapOvr>
+    <a:masterClrMapping/>
+  </p:clrMapOvr>
+  <p:timing>
+    <p:tnLst>
+      <p:par>
+        <p:cTn id="1" dur="indefinite" restart="never" nodeType="tmRoot"/>
+      </p:par>
+    </p:tnLst>
+  </p:timing>
+</p:sld>
+</file>
+
+<file path=ppt/slides/slide14.xml><?xml version="1.0" encoding="utf-8"?>
+<p:sld xmlns:a="http://schemas.openxmlformats.org/drawingml/2006/main" xmlns:r="http://schemas.openxmlformats.org/officeDocument/2006/relationships" xmlns:p="http://schemas.openxmlformats.org/presentationml/2006/main">
+  <p:cSld>
+    <p:spTree>
+      <p:nvGrpSpPr>
+        <p:cNvPr id="1" name=""/>
+        <p:cNvGrpSpPr/>
+        <p:nvPr/>
+      </p:nvGrpSpPr>
+      <p:grpSpPr>
+        <a:xfrm>
+          <a:off x="0" y="0"/>
+          <a:ext cx="0" cy="0"/>
+          <a:chOff x="0" y="0"/>
+          <a:chExt cx="0" cy="0"/>
+        </a:xfrm>
+      </p:grpSpPr>
+      <p:sp>
+        <p:nvSpPr>
+          <p:cNvPr id="2" name="Title 1"/>
+          <p:cNvSpPr>
+            <a:spLocks noGrp="1"/>
+          </p:cNvSpPr>
+          <p:nvPr>
+            <p:ph type="title"/>
+          </p:nvPr>
+        </p:nvSpPr>
+        <p:spPr/>
+        <p:txBody>
+          <a:bodyPr/>
+          <a:lstStyle/>
+          <a:p>
+            <a:r>
+              <a:rPr lang="en-US" dirty="0" smtClean="0"/>
+              <a:t>Work-Efficient Parallel Scan</a:t>
+            </a:r>
+            <a:endParaRPr lang="en-US" dirty="0"/>
+          </a:p>
+        </p:txBody>
+      </p:sp>
+      <p:pic>
+        <p:nvPicPr>
+          <p:cNvPr id="5122" name="Picture 2"/>
+          <p:cNvPicPr>
+            <a:picLocks noGrp="1" noChangeAspect="1" noChangeArrowheads="1"/>
+          </p:cNvPicPr>
+          <p:nvPr>
+            <p:ph idx="1"/>
+          </p:nvPr>
+        </p:nvPicPr>
+        <p:blipFill>
+          <a:blip r:embed="rId2"/>
+          <a:srcRect/>
+          <a:stretch>
+            <a:fillRect/>
+          </a:stretch>
+        </p:blipFill>
+        <p:spPr bwMode="auto">
+          <a:xfrm>
+            <a:off x="1219200" y="3086894"/>
+            <a:ext cx="6734175" cy="2085975"/>
+          </a:xfrm>
+          <a:prstGeom prst="rect">
+            <a:avLst/>
+          </a:prstGeom>
+          <a:noFill/>
+          <a:ln w="9525">
+            <a:noFill/>
+            <a:miter lim="800000"/>
+            <a:headEnd/>
+            <a:tailEnd/>
+          </a:ln>
+          <a:effectLst/>
+        </p:spPr>
+      </p:pic>
+      <p:pic>
+        <p:nvPicPr>
+          <p:cNvPr id="5123" name="Picture 3"/>
+          <p:cNvPicPr>
+            <a:picLocks noChangeAspect="1" noChangeArrowheads="1"/>
+          </p:cNvPicPr>
+          <p:nvPr/>
+        </p:nvPicPr>
+        <p:blipFill>
+          <a:blip r:embed="rId3"/>
+          <a:srcRect/>
+          <a:stretch>
+            <a:fillRect/>
+          </a:stretch>
+        </p:blipFill>
+        <p:spPr bwMode="auto">
+          <a:xfrm>
+            <a:off x="1295400" y="2057400"/>
+            <a:ext cx="6619875" cy="1162050"/>
+          </a:xfrm>
+          <a:prstGeom prst="rect">
+            <a:avLst/>
+          </a:prstGeom>
+          <a:noFill/>
+          <a:ln w="9525">
+            <a:noFill/>
+            <a:miter lim="800000"/>
+            <a:headEnd/>
+            <a:tailEnd/>
+          </a:ln>
+          <a:effectLst/>
+        </p:spPr>
+      </p:pic>
+      <p:pic>
+        <p:nvPicPr>
+          <p:cNvPr id="5124" name="Picture 4"/>
+          <p:cNvPicPr>
+            <a:picLocks noChangeAspect="1" noChangeArrowheads="1"/>
+          </p:cNvPicPr>
+          <p:nvPr/>
+        </p:nvPicPr>
+        <p:blipFill>
+          <a:blip r:embed="rId4"/>
+          <a:srcRect/>
+          <a:stretch>
+            <a:fillRect/>
+          </a:stretch>
+        </p:blipFill>
+        <p:spPr bwMode="auto">
+          <a:xfrm>
+            <a:off x="564444" y="5486400"/>
+            <a:ext cx="8001000" cy="619897"/>
+          </a:xfrm>
+          <a:prstGeom prst="rect">
+            <a:avLst/>
+          </a:prstGeom>
+          <a:noFill/>
+          <a:ln w="9525">
+            <a:noFill/>
+            <a:miter lim="800000"/>
+            <a:headEnd/>
+            <a:tailEnd/>
+          </a:ln>
+          <a:effectLst/>
+        </p:spPr>
+      </p:pic>
+      <p:sp>
+        <p:nvSpPr>
+          <p:cNvPr id="7" name="Rectangle 6"/>
+          <p:cNvSpPr/>
+          <p:nvPr/>
+        </p:nvSpPr>
+        <p:spPr>
+          <a:xfrm>
+            <a:off x="3505200" y="6260068"/>
+            <a:ext cx="4685642" cy="369332"/>
+          </a:xfrm>
+          <a:prstGeom prst="rect">
+            <a:avLst/>
+          </a:prstGeom>
+        </p:spPr>
+        <p:txBody>
+          <a:bodyPr wrap="none">
+            <a:spAutoFit/>
+          </a:bodyPr>
+          <a:lstStyle/>
+          <a:p>
+            <a:r>
+              <a:rPr lang="en-US" dirty="0" smtClean="0"/>
+              <a:t>Source: Parallel </a:t>
+            </a:r>
+            <a:r>
+              <a:rPr lang="en-US" dirty="0" smtClean="0"/>
+              <a:t>prefix sum (scan) with CUDA</a:t>
+            </a:r>
+            <a:endParaRPr lang="en-US" dirty="0"/>
+          </a:p>
+        </p:txBody>
+      </p:sp>
+    </p:spTree>
+  </p:cSld>
+  <p:clrMapOvr>
+    <a:masterClrMapping/>
+  </p:clrMapOvr>
+  <p:timing>
+    <p:tnLst>
+      <p:par>
+        <p:cTn id="1" dur="indefinite" restart="never" nodeType="tmRoot"/>
+      </p:par>
+    </p:tnLst>
+  </p:timing>
+</p:sld>
+</file>
+
+<file path=ppt/slides/slide15.xml><?xml version="1.0" encoding="utf-8"?>
+<p:sld xmlns:a="http://schemas.openxmlformats.org/drawingml/2006/main" xmlns:r="http://schemas.openxmlformats.org/officeDocument/2006/relationships" xmlns:p="http://schemas.openxmlformats.org/presentationml/2006/main">
+  <p:cSld>
+    <p:spTree>
+      <p:nvGrpSpPr>
+        <p:cNvPr id="1" name=""/>
+        <p:cNvGrpSpPr/>
+        <p:nvPr/>
+      </p:nvGrpSpPr>
+      <p:grpSpPr>
+        <a:xfrm>
+          <a:off x="0" y="0"/>
+          <a:ext cx="0" cy="0"/>
+          <a:chOff x="0" y="0"/>
+          <a:chExt cx="0" cy="0"/>
+        </a:xfrm>
+      </p:grpSpPr>
+      <p:sp>
+        <p:nvSpPr>
+          <p:cNvPr id="3" name="Title 2"/>
+          <p:cNvSpPr>
+            <a:spLocks noGrp="1"/>
+          </p:cNvSpPr>
+          <p:nvPr>
+            <p:ph type="title"/>
+          </p:nvPr>
+        </p:nvSpPr>
+        <p:spPr/>
+        <p:txBody>
+          <a:bodyPr>
+            <a:normAutofit fontScale="90000"/>
+          </a:bodyPr>
+          <a:lstStyle/>
+          <a:p>
+            <a:r>
+              <a:rPr lang="en-US" dirty="0" smtClean="0"/>
+              <a:t>Up-sweep phase</a:t>
+            </a:r>
+            <a:br>
+              <a:rPr lang="en-US" dirty="0" smtClean="0"/>
+            </a:br>
+            <a:endParaRPr lang="en-US" dirty="0"/>
+          </a:p>
+        </p:txBody>
+      </p:sp>
+      <p:pic>
+        <p:nvPicPr>
+          <p:cNvPr id="3075" name="Picture 3"/>
+          <p:cNvPicPr>
+            <a:picLocks noChangeAspect="1" noChangeArrowheads="1"/>
+          </p:cNvPicPr>
+          <p:nvPr/>
+        </p:nvPicPr>
+        <p:blipFill>
+          <a:blip r:embed="rId3"/>
+          <a:srcRect/>
+          <a:stretch>
+            <a:fillRect/>
+          </a:stretch>
+        </p:blipFill>
+        <p:spPr bwMode="auto">
+          <a:xfrm>
+            <a:off x="381000" y="1600200"/>
+            <a:ext cx="8317852" cy="4495800"/>
+          </a:xfrm>
+          <a:prstGeom prst="rect">
+            <a:avLst/>
+          </a:prstGeom>
+          <a:noFill/>
+          <a:ln w="9525">
+            <a:noFill/>
+            <a:miter lim="800000"/>
+            <a:headEnd/>
+            <a:tailEnd/>
+          </a:ln>
+          <a:effectLst/>
+        </p:spPr>
+      </p:pic>
+      <p:sp>
+        <p:nvSpPr>
+          <p:cNvPr id="4" name="Rectangle 3"/>
+          <p:cNvSpPr/>
+          <p:nvPr/>
+        </p:nvSpPr>
+        <p:spPr>
+          <a:xfrm>
+            <a:off x="3505200" y="6172200"/>
+            <a:ext cx="4685642" cy="369332"/>
+          </a:xfrm>
+          <a:prstGeom prst="rect">
+            <a:avLst/>
+          </a:prstGeom>
+        </p:spPr>
+        <p:txBody>
+          <a:bodyPr wrap="none">
+            <a:spAutoFit/>
+          </a:bodyPr>
+          <a:lstStyle/>
+          <a:p>
+            <a:r>
+              <a:rPr lang="en-US" dirty="0" smtClean="0"/>
+              <a:t>Source: Parallel </a:t>
+            </a:r>
+            <a:r>
+              <a:rPr lang="en-US" dirty="0" smtClean="0"/>
+              <a:t>prefix sum (scan) with CUDA</a:t>
+            </a:r>
+            <a:endParaRPr lang="en-US" dirty="0"/>
+          </a:p>
+        </p:txBody>
+      </p:sp>
+    </p:spTree>
+  </p:cSld>
+  <p:clrMapOvr>
+    <a:masterClrMapping/>
+  </p:clrMapOvr>
+  <p:timing>
+    <p:tnLst>
+      <p:par>
+        <p:cTn id="1" dur="indefinite" restart="never" nodeType="tmRoot"/>
+      </p:par>
+    </p:tnLst>
+  </p:timing>
+</p:sld>
+</file>
+
+<file path=ppt/slides/slide16.xml><?xml version="1.0" encoding="utf-8"?>
+<p:sld xmlns:a="http://schemas.openxmlformats.org/drawingml/2006/main" xmlns:r="http://schemas.openxmlformats.org/officeDocument/2006/relationships" xmlns:p="http://schemas.openxmlformats.org/presentationml/2006/main">
+  <p:cSld>
+    <p:spTree>
+      <p:nvGrpSpPr>
+        <p:cNvPr id="1" name=""/>
+        <p:cNvGrpSpPr/>
+        <p:nvPr/>
+      </p:nvGrpSpPr>
+      <p:grpSpPr>
+        <a:xfrm>
+          <a:off x="0" y="0"/>
+          <a:ext cx="0" cy="0"/>
+          <a:chOff x="0" y="0"/>
+          <a:chExt cx="0" cy="0"/>
+        </a:xfrm>
+      </p:grpSpPr>
+      <p:sp>
+        <p:nvSpPr>
+          <p:cNvPr id="6" name="Title 5"/>
+          <p:cNvSpPr>
+            <a:spLocks noGrp="1"/>
+          </p:cNvSpPr>
+          <p:nvPr>
+            <p:ph type="title"/>
+          </p:nvPr>
+        </p:nvSpPr>
+        <p:spPr/>
+        <p:txBody>
+          <a:bodyPr>
+            <a:normAutofit fontScale="90000"/>
+          </a:bodyPr>
+          <a:lstStyle/>
+          <a:p>
+            <a:r>
+              <a:rPr lang="en-US" dirty="0" smtClean="0"/>
+              <a:t>Down-sweep phase</a:t>
+            </a:r>
+            <a:br>
+              <a:rPr lang="en-US" dirty="0" smtClean="0"/>
+            </a:br>
+            <a:endParaRPr lang="en-US" dirty="0"/>
+          </a:p>
+        </p:txBody>
+      </p:sp>
+      <p:pic>
+        <p:nvPicPr>
+          <p:cNvPr id="1027" name="Picture 3"/>
+          <p:cNvPicPr>
+            <a:picLocks noChangeAspect="1" noChangeArrowheads="1"/>
+          </p:cNvPicPr>
+          <p:nvPr/>
+        </p:nvPicPr>
+        <p:blipFill>
+          <a:blip r:embed="rId3"/>
+          <a:srcRect/>
+          <a:stretch>
+            <a:fillRect/>
+          </a:stretch>
+        </p:blipFill>
+        <p:spPr bwMode="auto">
+          <a:xfrm>
+            <a:off x="819150" y="1524000"/>
+            <a:ext cx="7486650" cy="4772025"/>
+          </a:xfrm>
+          <a:prstGeom prst="rect">
+            <a:avLst/>
+          </a:prstGeom>
+          <a:noFill/>
+          <a:ln w="9525">
+            <a:noFill/>
+            <a:miter lim="800000"/>
+            <a:headEnd/>
+            <a:tailEnd/>
+          </a:ln>
+          <a:effectLst/>
+        </p:spPr>
+      </p:pic>
+      <p:sp>
+        <p:nvSpPr>
+          <p:cNvPr id="4" name="Rectangle 3"/>
+          <p:cNvSpPr/>
+          <p:nvPr/>
+        </p:nvSpPr>
+        <p:spPr>
+          <a:xfrm>
+            <a:off x="3505200" y="6412468"/>
+            <a:ext cx="4685642" cy="369332"/>
+          </a:xfrm>
+          <a:prstGeom prst="rect">
+            <a:avLst/>
+          </a:prstGeom>
+        </p:spPr>
+        <p:txBody>
+          <a:bodyPr wrap="none">
+            <a:spAutoFit/>
+          </a:bodyPr>
+          <a:lstStyle/>
+          <a:p>
+            <a:r>
+              <a:rPr lang="en-US" dirty="0" smtClean="0"/>
+              <a:t>Source: Parallel </a:t>
+            </a:r>
+            <a:r>
+              <a:rPr lang="en-US" dirty="0" smtClean="0"/>
+              <a:t>prefix sum (scan) with CUDA</a:t>
+            </a:r>
+            <a:endParaRPr lang="en-US" dirty="0"/>
+          </a:p>
+        </p:txBody>
+      </p:sp>
+    </p:spTree>
+  </p:cSld>
+  <p:clrMapOvr>
+    <a:masterClrMapping/>
+  </p:clrMapOvr>
+  <p:timing>
+    <p:tnLst>
+      <p:par>
+        <p:cTn id="1" dur="indefinite" restart="never" nodeType="tmRoot"/>
+      </p:par>
+    </p:tnLst>
+  </p:timing>
+</p:sld>
+</file>
+
+<file path=ppt/slides/slide17.xml><?xml version="1.0" encoding="utf-8"?>
+<p:sld xmlns:a="http://schemas.openxmlformats.org/drawingml/2006/main" xmlns:r="http://schemas.openxmlformats.org/officeDocument/2006/relationships" xmlns:p="http://schemas.openxmlformats.org/presentationml/2006/main">
+  <p:cSld>
+    <p:spTree>
+      <p:nvGrpSpPr>
+        <p:cNvPr id="1" name=""/>
+        <p:cNvGrpSpPr/>
+        <p:nvPr/>
+      </p:nvGrpSpPr>
+      <p:grpSpPr>
+        <a:xfrm>
+          <a:off x="0" y="0"/>
+          <a:ext cx="0" cy="0"/>
+          <a:chOff x="0" y="0"/>
+          <a:chExt cx="0" cy="0"/>
+        </a:xfrm>
+      </p:grpSpPr>
+      <p:sp>
+        <p:nvSpPr>
+          <p:cNvPr id="2" name="Title 1"/>
+          <p:cNvSpPr>
+            <a:spLocks noGrp="1"/>
+          </p:cNvSpPr>
+          <p:nvPr>
+            <p:ph type="title"/>
+          </p:nvPr>
+        </p:nvSpPr>
+        <p:spPr/>
+        <p:txBody>
+          <a:bodyPr>
+            <a:normAutofit fontScale="90000"/>
+          </a:bodyPr>
+          <a:lstStyle/>
+          <a:p>
+            <a:r>
+              <a:rPr lang="en-US" dirty="0" smtClean="0"/>
+              <a:t>Benchmarks on the Work Efficient Parallel Scan</a:t>
+            </a:r>
+            <a:endParaRPr lang="en-US" dirty="0"/>
+          </a:p>
+        </p:txBody>
+      </p:sp>
+      <p:pic>
+        <p:nvPicPr>
+          <p:cNvPr id="6146" name="Picture 2"/>
+          <p:cNvPicPr>
+            <a:picLocks noGrp="1" noChangeAspect="1" noChangeArrowheads="1"/>
+          </p:cNvPicPr>
+          <p:nvPr>
+            <p:ph idx="1"/>
+          </p:nvPr>
+        </p:nvPicPr>
+        <p:blipFill>
+          <a:blip r:embed="rId2"/>
+          <a:srcRect/>
+          <a:stretch>
+            <a:fillRect/>
+          </a:stretch>
+        </p:blipFill>
+        <p:spPr bwMode="auto">
+          <a:xfrm>
+            <a:off x="1651608" y="1935163"/>
+            <a:ext cx="5840783" cy="4389437"/>
+          </a:xfrm>
+          <a:prstGeom prst="rect">
+            <a:avLst/>
+          </a:prstGeom>
+          <a:noFill/>
+          <a:ln w="9525">
+            <a:noFill/>
+            <a:miter lim="800000"/>
+            <a:headEnd/>
+            <a:tailEnd/>
+          </a:ln>
+          <a:effectLst/>
+        </p:spPr>
+      </p:pic>
+      <p:sp>
+        <p:nvSpPr>
+          <p:cNvPr id="5" name="Rectangle 4"/>
+          <p:cNvSpPr/>
+          <p:nvPr/>
+        </p:nvSpPr>
+        <p:spPr>
+          <a:xfrm>
+            <a:off x="3505200" y="6412468"/>
+            <a:ext cx="4685642" cy="369332"/>
+          </a:xfrm>
+          <a:prstGeom prst="rect">
+            <a:avLst/>
+          </a:prstGeom>
+        </p:spPr>
+        <p:txBody>
+          <a:bodyPr wrap="none">
+            <a:spAutoFit/>
+          </a:bodyPr>
+          <a:lstStyle/>
+          <a:p>
+            <a:r>
+              <a:rPr lang="en-US" dirty="0" smtClean="0"/>
+              <a:t>Source: Parallel </a:t>
+            </a:r>
+            <a:r>
+              <a:rPr lang="en-US" dirty="0" smtClean="0"/>
+              <a:t>prefix sum (scan) with CUDA</a:t>
+            </a:r>
+            <a:endParaRPr lang="en-US" dirty="0"/>
+          </a:p>
+        </p:txBody>
+      </p:sp>
+    </p:spTree>
+  </p:cSld>
+  <p:clrMapOvr>
+    <a:masterClrMapping/>
+  </p:clrMapOvr>
+  <p:timing>
+    <p:tnLst>
+      <p:par>
+        <p:cTn id="1" dur="indefinite" restart="never" nodeType="tmRoot"/>
+      </p:par>
+    </p:tnLst>
+  </p:timing>
+</p:sld>
+</file>
+
+<file path=ppt/slides/slide18.xml><?xml version="1.0" encoding="utf-8"?>
+<p:sld xmlns:a="http://schemas.openxmlformats.org/drawingml/2006/main" xmlns:r="http://schemas.openxmlformats.org/officeDocument/2006/relationships" xmlns:p="http://schemas.openxmlformats.org/presentationml/2006/main">
+  <p:cSld>
+    <p:spTree>
+      <p:nvGrpSpPr>
+        <p:cNvPr id="1" name=""/>
+        <p:cNvGrpSpPr/>
+        <p:nvPr/>
+      </p:nvGrpSpPr>
+      <p:grpSpPr>
+        <a:xfrm>
+          <a:off x="0" y="0"/>
+          <a:ext cx="0" cy="0"/>
+          <a:chOff x="0" y="0"/>
+          <a:chExt cx="0" cy="0"/>
+        </a:xfrm>
+      </p:grpSpPr>
+      <p:sp>
+        <p:nvSpPr>
+          <p:cNvPr id="2" name="Title 1"/>
+          <p:cNvSpPr>
+            <a:spLocks noGrp="1"/>
+          </p:cNvSpPr>
+          <p:nvPr>
+            <p:ph type="title"/>
+          </p:nvPr>
+        </p:nvSpPr>
+        <p:spPr/>
+        <p:txBody>
+          <a:bodyPr/>
+          <a:lstStyle/>
+          <a:p>
+            <a:r>
+              <a:rPr lang="en-US" dirty="0" smtClean="0"/>
+              <a:t>Outline</a:t>
+            </a:r>
+            <a:endParaRPr lang="en-US" dirty="0"/>
+          </a:p>
+        </p:txBody>
+      </p:sp>
+      <p:sp>
+        <p:nvSpPr>
+          <p:cNvPr id="3" name="Content Placeholder 2"/>
+          <p:cNvSpPr>
+            <a:spLocks noGrp="1"/>
+          </p:cNvSpPr>
+          <p:nvPr>
+            <p:ph idx="1"/>
+          </p:nvPr>
+        </p:nvSpPr>
+        <p:spPr/>
+        <p:txBody>
+          <a:bodyPr/>
+          <a:lstStyle/>
+          <a:p>
+            <a:r>
+              <a:rPr lang="en-US" dirty="0" smtClean="0"/>
+              <a:t>Introduction and Motivation</a:t>
+            </a:r>
+          </a:p>
+          <a:p>
+            <a:r>
+              <a:rPr lang="en-US" dirty="0" smtClean="0"/>
+              <a:t>The Project</a:t>
+            </a:r>
+          </a:p>
+          <a:p>
+            <a:pPr lvl="1"/>
+            <a:r>
+              <a:rPr lang="en-US" dirty="0" smtClean="0"/>
+              <a:t>RLE Run Length Encoding</a:t>
+            </a:r>
+          </a:p>
+          <a:p>
+            <a:pPr lvl="1"/>
+            <a:r>
+              <a:rPr lang="en-US" dirty="0" smtClean="0"/>
+              <a:t>Uncompressing the Index</a:t>
+            </a:r>
+          </a:p>
+          <a:p>
+            <a:r>
+              <a:rPr lang="en-US" dirty="0" smtClean="0"/>
+              <a:t>Parallel Prefix Sum </a:t>
+            </a:r>
+            <a:r>
+              <a:rPr lang="en-US" dirty="0" smtClean="0"/>
+              <a:t>Algorithms</a:t>
+            </a:r>
+          </a:p>
+          <a:p>
+            <a:pPr lvl="1"/>
+            <a:r>
+              <a:rPr lang="en-US" dirty="0" smtClean="0"/>
+              <a:t>Naïve approach</a:t>
+            </a:r>
+          </a:p>
+          <a:p>
+            <a:pPr lvl="1"/>
+            <a:r>
+              <a:rPr lang="en-US" dirty="0" smtClean="0"/>
+              <a:t>Work-efficient algorithm</a:t>
+            </a:r>
+            <a:endParaRPr lang="en-US" dirty="0" smtClean="0"/>
+          </a:p>
+          <a:p>
+            <a:r>
+              <a:rPr lang="en-US" dirty="0" smtClean="0">
+                <a:solidFill>
+                  <a:srgbClr val="FF0000"/>
+                </a:solidFill>
+              </a:rPr>
+              <a:t>Benchmarking</a:t>
+            </a:r>
+            <a:endParaRPr lang="en-US" dirty="0">
+              <a:solidFill>
+                <a:srgbClr val="FF0000"/>
+              </a:solidFill>
+            </a:endParaRPr>
+          </a:p>
+        </p:txBody>
+      </p:sp>
+    </p:spTree>
+  </p:cSld>
+  <p:clrMapOvr>
+    <a:masterClrMapping/>
+  </p:clrMapOvr>
+  <p:timing>
+    <p:tnLst>
+      <p:par>
+        <p:cTn id="1" dur="indefinite" restart="never" nodeType="tmRoot"/>
+      </p:par>
+    </p:tnLst>
+  </p:timing>
+</p:sld>
+</file>
+
+<file path=ppt/slides/slide19.xml><?xml version="1.0" encoding="utf-8"?>
+<p:sld xmlns:a="http://schemas.openxmlformats.org/drawingml/2006/main" xmlns:r="http://schemas.openxmlformats.org/officeDocument/2006/relationships" xmlns:p="http://schemas.openxmlformats.org/presentationml/2006/main">
+  <p:cSld>
+    <p:spTree>
+      <p:nvGrpSpPr>
+        <p:cNvPr id="1" name=""/>
+        <p:cNvGrpSpPr/>
+        <p:nvPr/>
+      </p:nvGrpSpPr>
+      <p:grpSpPr>
+        <a:xfrm>
+          <a:off x="0" y="0"/>
+          <a:ext cx="0" cy="0"/>
+          <a:chOff x="0" y="0"/>
+          <a:chExt cx="0" cy="0"/>
+        </a:xfrm>
+      </p:grpSpPr>
+      <p:sp>
+        <p:nvSpPr>
+          <p:cNvPr id="2" name="Title 1"/>
+          <p:cNvSpPr>
+            <a:spLocks noGrp="1"/>
+          </p:cNvSpPr>
+          <p:nvPr>
+            <p:ph type="title"/>
+          </p:nvPr>
+        </p:nvSpPr>
+        <p:spPr/>
+        <p:txBody>
+          <a:bodyPr/>
+          <a:lstStyle/>
+          <a:p>
+            <a:r>
+              <a:rPr lang="en-US" dirty="0" smtClean="0"/>
+              <a:t>Benchmarking</a:t>
+            </a:r>
+            <a:endParaRPr lang="en-US" dirty="0"/>
+          </a:p>
+        </p:txBody>
+      </p:sp>
+      <p:sp>
+        <p:nvSpPr>
+          <p:cNvPr id="3" name="Content Placeholder 2"/>
+          <p:cNvSpPr>
+            <a:spLocks noGrp="1"/>
+          </p:cNvSpPr>
+          <p:nvPr>
+            <p:ph idx="1"/>
+          </p:nvPr>
+        </p:nvSpPr>
+        <p:spPr/>
+        <p:txBody>
+          <a:bodyPr/>
+          <a:lstStyle/>
+          <a:p>
+            <a:r>
+              <a:rPr lang="en-US" dirty="0" smtClean="0"/>
+              <a:t>To </a:t>
+            </a:r>
+            <a:r>
+              <a:rPr lang="en-US" dirty="0" smtClean="0"/>
+              <a:t>conclude</a:t>
+            </a:r>
+            <a:r>
+              <a:rPr lang="en-US" dirty="0" smtClean="0"/>
+              <a:t> </a:t>
+            </a:r>
+            <a:r>
+              <a:rPr lang="en-US" dirty="0" smtClean="0"/>
+              <a:t>the project a </a:t>
+            </a:r>
+            <a:r>
+              <a:rPr lang="en-US" dirty="0" smtClean="0"/>
+              <a:t>benchmark test will </a:t>
+            </a:r>
+            <a:r>
+              <a:rPr lang="en-US" dirty="0" smtClean="0"/>
+              <a:t>compare and find the cases where a compressed index can be more readily available to the GPU by uncompressing as </a:t>
+            </a:r>
+            <a:r>
+              <a:rPr lang="en-US" dirty="0" smtClean="0"/>
+              <a:t>opposed to loading </a:t>
+            </a:r>
+            <a:r>
+              <a:rPr lang="en-US" dirty="0" smtClean="0"/>
+              <a:t>it as an uncompressed </a:t>
+            </a:r>
+            <a:r>
+              <a:rPr lang="en-US" dirty="0" smtClean="0"/>
+              <a:t>index</a:t>
+            </a:r>
+            <a:r>
+              <a:rPr lang="en-US" dirty="0" smtClean="0"/>
+              <a:t>.</a:t>
+            </a:r>
+          </a:p>
+          <a:p>
+            <a:r>
+              <a:rPr lang="en-US" dirty="0" smtClean="0"/>
+              <a:t>Projection index with 10 different elements and then double the amount of elements.</a:t>
+            </a:r>
+          </a:p>
+          <a:p>
+            <a:r>
+              <a:rPr lang="en-US" dirty="0" smtClean="0"/>
+              <a:t>Projection index with </a:t>
+            </a:r>
+            <a:r>
+              <a:rPr lang="en-US" dirty="0" smtClean="0"/>
+              <a:t>fixed size of elements and then increasing the number of different elements from 2 to half the size of elements.</a:t>
+            </a:r>
+            <a:endParaRPr lang="en-US" dirty="0" smtClean="0"/>
+          </a:p>
+          <a:p>
+            <a:endParaRPr lang="en-US" dirty="0" smtClean="0"/>
+          </a:p>
+          <a:p>
+            <a:endParaRPr lang="en-US" dirty="0" smtClean="0"/>
+          </a:p>
+          <a:p>
+            <a:endParaRPr lang="en-US" dirty="0" smtClean="0"/>
           </a:p>
           <a:p>
             <a:endParaRPr lang="en-US" dirty="0" smtClean="0"/>
@@ -4549,7 +6083,7 @@
           <a:p>
             <a:r>
               <a:rPr lang="en-US" dirty="0" smtClean="0"/>
-              <a:t>Introduction &amp; Motivation</a:t>
+              <a:t>Outline</a:t>
             </a:r>
             <a:endParaRPr lang="en-US" dirty="0"/>
           </a:p>
@@ -4567,36 +6101,69 @@
         </p:nvSpPr>
         <p:spPr/>
         <p:txBody>
-          <a:bodyPr>
-            <a:normAutofit fontScale="92500"/>
-          </a:bodyPr>
-          <a:lstStyle/>
-          <a:p>
-            <a:r>
-              <a:rPr lang="en-US" sz="2800" dirty="0" smtClean="0"/>
-              <a:t>The projection index supports thread-level parallelism and therefore could potentially make good use of a GPU.</a:t>
-            </a:r>
-          </a:p>
-          <a:p>
-            <a:pPr algn="just"/>
-            <a:r>
-              <a:rPr lang="en-US" sz="2800" dirty="0" smtClean="0"/>
-              <a:t>However, most of the time spent when doing query evaluation on projection indexes, is spent in transferring data from the CPU to the GPU</a:t>
-            </a:r>
-          </a:p>
-          <a:p>
-            <a:pPr algn="just"/>
-            <a:r>
-              <a:rPr lang="en-US" sz="2800" dirty="0" smtClean="0"/>
-              <a:t>A common approach to improve on this problem is to reduce the size of the data that needs to be transferred. </a:t>
-            </a:r>
-          </a:p>
-          <a:p>
-            <a:pPr algn="just"/>
-            <a:r>
-              <a:rPr lang="en-US" sz="2800" dirty="0" smtClean="0"/>
-              <a:t>Compression could be a good way to reduce the size of data.</a:t>
-            </a:r>
+          <a:bodyPr/>
+          <a:lstStyle/>
+          <a:p>
+            <a:r>
+              <a:rPr lang="en-US" dirty="0" smtClean="0">
+                <a:solidFill>
+                  <a:srgbClr val="FF0000"/>
+                </a:solidFill>
+              </a:rPr>
+              <a:t>Introduction and Motivation</a:t>
+            </a:r>
+          </a:p>
+          <a:p>
+            <a:r>
+              <a:rPr lang="en-US" dirty="0" smtClean="0"/>
+              <a:t>The Project</a:t>
+            </a:r>
+          </a:p>
+          <a:p>
+            <a:pPr lvl="1"/>
+            <a:r>
+              <a:rPr lang="en-US" dirty="0" smtClean="0"/>
+              <a:t>RLE Run Length Encoding</a:t>
+            </a:r>
+          </a:p>
+          <a:p>
+            <a:pPr lvl="1"/>
+            <a:r>
+              <a:rPr lang="en-US" dirty="0" smtClean="0"/>
+              <a:t>Uncompressing the Index</a:t>
+            </a:r>
+          </a:p>
+          <a:p>
+            <a:r>
+              <a:rPr lang="en-US" dirty="0" smtClean="0"/>
+              <a:t>Parallel Prefix Sum </a:t>
+            </a:r>
+            <a:r>
+              <a:rPr lang="en-US" dirty="0" smtClean="0"/>
+              <a:t>Algorithms</a:t>
+            </a:r>
+          </a:p>
+          <a:p>
+            <a:pPr lvl="1"/>
+            <a:r>
+              <a:rPr lang="en-US" dirty="0" smtClean="0"/>
+              <a:t>Naïve approach</a:t>
+            </a:r>
+          </a:p>
+          <a:p>
+            <a:pPr lvl="1"/>
+            <a:r>
+              <a:rPr lang="en-US" dirty="0" smtClean="0"/>
+              <a:t>Work-efficient algorithm</a:t>
+            </a:r>
+            <a:endParaRPr lang="en-US" dirty="0" smtClean="0"/>
+          </a:p>
+          <a:p>
+            <a:r>
+              <a:rPr lang="en-US" dirty="0" smtClean="0"/>
+              <a:t>Benchmarking</a:t>
+            </a:r>
+            <a:endParaRPr lang="en-US" dirty="0"/>
           </a:p>
         </p:txBody>
       </p:sp>
@@ -4612,6 +6179,237 @@
       </p:par>
     </p:tnLst>
   </p:timing>
+</p:sld>
+</file>
+
+<file path=ppt/slides/slide20.xml><?xml version="1.0" encoding="utf-8"?>
+<p:sld xmlns:a="http://schemas.openxmlformats.org/drawingml/2006/main" xmlns:r="http://schemas.openxmlformats.org/officeDocument/2006/relationships" xmlns:p="http://schemas.openxmlformats.org/presentationml/2006/main">
+  <p:cSld>
+    <p:spTree>
+      <p:nvGrpSpPr>
+        <p:cNvPr id="1" name=""/>
+        <p:cNvGrpSpPr/>
+        <p:nvPr/>
+      </p:nvGrpSpPr>
+      <p:grpSpPr>
+        <a:xfrm>
+          <a:off x="0" y="0"/>
+          <a:ext cx="0" cy="0"/>
+          <a:chOff x="0" y="0"/>
+          <a:chExt cx="0" cy="0"/>
+        </a:xfrm>
+      </p:grpSpPr>
+      <p:sp>
+        <p:nvSpPr>
+          <p:cNvPr id="2" name="Title 1"/>
+          <p:cNvSpPr>
+            <a:spLocks noGrp="1"/>
+          </p:cNvSpPr>
+          <p:nvPr>
+            <p:ph type="title"/>
+          </p:nvPr>
+        </p:nvSpPr>
+        <p:spPr/>
+        <p:txBody>
+          <a:bodyPr/>
+          <a:lstStyle/>
+          <a:p>
+            <a:r>
+              <a:rPr lang="en-US" dirty="0" smtClean="0"/>
+              <a:t>References</a:t>
+            </a:r>
+            <a:endParaRPr lang="en-US" dirty="0"/>
+          </a:p>
+        </p:txBody>
+      </p:sp>
+      <p:sp>
+        <p:nvSpPr>
+          <p:cNvPr id="3" name="Content Placeholder 2"/>
+          <p:cNvSpPr>
+            <a:spLocks noGrp="1"/>
+          </p:cNvSpPr>
+          <p:nvPr>
+            <p:ph idx="1"/>
+          </p:nvPr>
+        </p:nvSpPr>
+        <p:spPr/>
+        <p:txBody>
+          <a:bodyPr>
+            <a:normAutofit/>
+          </a:bodyPr>
+          <a:lstStyle/>
+          <a:p>
+            <a:r>
+              <a:rPr lang="en-US" dirty="0" err="1" smtClean="0"/>
+              <a:t>Gosink</a:t>
+            </a:r>
+            <a:r>
+              <a:rPr lang="en-US" dirty="0" smtClean="0"/>
+              <a:t>, L., </a:t>
+            </a:r>
+            <a:r>
+              <a:rPr lang="en-US" dirty="0" err="1" smtClean="0"/>
+              <a:t>Kesheng</a:t>
+            </a:r>
+            <a:r>
+              <a:rPr lang="en-US" dirty="0" smtClean="0"/>
+              <a:t> Wu, E. Wes Bethel, John D. Owens, Kenneth I. Joy: Data Parallel Bin-Based Indexing for Answering Queries on Multi-core Architectures. SSDBM 2009: 110-129</a:t>
+            </a:r>
+          </a:p>
+          <a:p>
+            <a:r>
+              <a:rPr lang="en-US" dirty="0" smtClean="0"/>
+              <a:t>Guy </a:t>
+            </a:r>
+            <a:r>
+              <a:rPr lang="en-US" dirty="0" smtClean="0"/>
+              <a:t>E. </a:t>
+            </a:r>
+            <a:r>
+              <a:rPr lang="en-US" dirty="0" err="1" smtClean="0"/>
+              <a:t>Blelloch</a:t>
+            </a:r>
+            <a:r>
+              <a:rPr lang="en-US" dirty="0" smtClean="0"/>
+              <a:t>. “Prefix Sums and Their Applications”. In John H. </a:t>
+            </a:r>
+            <a:r>
+              <a:rPr lang="en-US" dirty="0" err="1" smtClean="0"/>
+              <a:t>Reif</a:t>
+            </a:r>
+            <a:r>
+              <a:rPr lang="en-US" dirty="0" smtClean="0"/>
+              <a:t> (Ed.), Synthesis </a:t>
+            </a:r>
+            <a:r>
+              <a:rPr lang="de-DE" dirty="0" smtClean="0"/>
+              <a:t>of Parallel Algorithms, Morgan Kaufmann, 1990</a:t>
+            </a:r>
+            <a:r>
+              <a:rPr lang="de-DE" dirty="0" smtClean="0"/>
+              <a:t>.</a:t>
+            </a:r>
+          </a:p>
+          <a:p>
+            <a:r>
+              <a:rPr lang="en-US" dirty="0" smtClean="0"/>
+              <a:t>HARRIS M., SENGUPTA S., OWENS J. D.: </a:t>
+            </a:r>
+            <a:r>
+              <a:rPr lang="en-US" dirty="0" smtClean="0"/>
+              <a:t>Parallel prefix </a:t>
+            </a:r>
+            <a:r>
+              <a:rPr lang="en-US" dirty="0" smtClean="0"/>
+              <a:t>sum (scan) with CUDA. In </a:t>
+            </a:r>
+            <a:r>
+              <a:rPr lang="en-US" i="1" dirty="0" smtClean="0"/>
+              <a:t>GPU Gems </a:t>
+            </a:r>
+            <a:r>
+              <a:rPr lang="en-US" i="1" dirty="0" smtClean="0"/>
+              <a:t>3, </a:t>
+            </a:r>
+            <a:r>
+              <a:rPr lang="en-US" dirty="0" smtClean="0"/>
+              <a:t>Nguyen </a:t>
+            </a:r>
+            <a:r>
+              <a:rPr lang="en-US" dirty="0" smtClean="0"/>
+              <a:t>H., (Ed.). Addison Wesley, Aug. 2007, </a:t>
+            </a:r>
+            <a:r>
+              <a:rPr lang="en-US" dirty="0" err="1" smtClean="0"/>
+              <a:t>ch</a:t>
+            </a:r>
+            <a:r>
+              <a:rPr lang="en-US" dirty="0" smtClean="0"/>
+              <a:t>. 31.</a:t>
+            </a:r>
+            <a:endParaRPr lang="en-US" dirty="0" smtClean="0"/>
+          </a:p>
+        </p:txBody>
+      </p:sp>
+    </p:spTree>
+  </p:cSld>
+  <p:clrMapOvr>
+    <a:masterClrMapping/>
+  </p:clrMapOvr>
+  <p:timing>
+    <p:tnLst>
+      <p:par>
+        <p:cTn id="1" dur="indefinite" restart="never" nodeType="tmRoot"/>
+      </p:par>
+    </p:tnLst>
+  </p:timing>
+</p:sld>
+</file>
+
+<file path=ppt/slides/slide21.xml><?xml version="1.0" encoding="utf-8"?>
+<p:sld xmlns:a="http://schemas.openxmlformats.org/drawingml/2006/main" xmlns:r="http://schemas.openxmlformats.org/officeDocument/2006/relationships" xmlns:p="http://schemas.openxmlformats.org/presentationml/2006/main">
+  <p:cSld>
+    <p:spTree>
+      <p:nvGrpSpPr>
+        <p:cNvPr id="1" name=""/>
+        <p:cNvGrpSpPr/>
+        <p:nvPr/>
+      </p:nvGrpSpPr>
+      <p:grpSpPr>
+        <a:xfrm>
+          <a:off x="0" y="0"/>
+          <a:ext cx="0" cy="0"/>
+          <a:chOff x="0" y="0"/>
+          <a:chExt cx="0" cy="0"/>
+        </a:xfrm>
+      </p:grpSpPr>
+      <p:sp>
+        <p:nvSpPr>
+          <p:cNvPr id="2" name="Title 1"/>
+          <p:cNvSpPr>
+            <a:spLocks noGrp="1"/>
+          </p:cNvSpPr>
+          <p:nvPr>
+            <p:ph type="title"/>
+          </p:nvPr>
+        </p:nvSpPr>
+        <p:spPr/>
+        <p:txBody>
+          <a:bodyPr/>
+          <a:lstStyle/>
+          <a:p>
+            <a:r>
+              <a:rPr lang="en-US" dirty="0" smtClean="0"/>
+              <a:t>Thank You!</a:t>
+            </a:r>
+            <a:endParaRPr lang="en-US" dirty="0"/>
+          </a:p>
+        </p:txBody>
+      </p:sp>
+      <p:sp>
+        <p:nvSpPr>
+          <p:cNvPr id="5" name="Content Placeholder 4"/>
+          <p:cNvSpPr>
+            <a:spLocks noGrp="1"/>
+          </p:cNvSpPr>
+          <p:nvPr>
+            <p:ph idx="1"/>
+          </p:nvPr>
+        </p:nvSpPr>
+        <p:spPr/>
+        <p:txBody>
+          <a:bodyPr/>
+          <a:lstStyle/>
+          <a:p>
+            <a:endParaRPr lang="en-US"/>
+          </a:p>
+        </p:txBody>
+      </p:sp>
+    </p:spTree>
+  </p:cSld>
+  <p:clrMapOvr>
+    <a:masterClrMapping/>
+  </p:clrMapOvr>
 </p:sld>
 </file>
 
@@ -4649,11 +6447,7 @@
           <a:p>
             <a:r>
               <a:rPr lang="en-US" dirty="0" smtClean="0"/>
-              <a:t>The </a:t>
-            </a:r>
-            <a:r>
-              <a:rPr lang="en-US" dirty="0" smtClean="0"/>
-              <a:t>Project</a:t>
+              <a:t>Introduction &amp; Motivation</a:t>
             </a:r>
             <a:endParaRPr lang="en-US" dirty="0"/>
           </a:p>
@@ -4671,57 +6465,40 @@
         </p:nvSpPr>
         <p:spPr/>
         <p:txBody>
-          <a:bodyPr/>
+          <a:bodyPr>
+            <a:normAutofit fontScale="92500"/>
+          </a:bodyPr>
           <a:lstStyle/>
           <a:p>
             <a:r>
               <a:rPr lang="en-US" sz="2800" dirty="0" smtClean="0"/>
-              <a:t>A compressed projection index will be used.</a:t>
-            </a:r>
-          </a:p>
-          <a:p>
+              <a:t>The projection index supports thread-level parallelism and therefore could potentially make good use of a GPU.</a:t>
+            </a:r>
+          </a:p>
+          <a:p>
+            <a:pPr algn="just"/>
             <a:r>
               <a:rPr lang="en-US" sz="2800" dirty="0" smtClean="0"/>
-              <a:t>The compression method is </a:t>
-            </a:r>
-            <a:r>
-              <a:rPr lang="en-US" sz="2800" dirty="0" smtClean="0">
-                <a:hlinkClick r:id="rId2" action="ppaction://hlinksldjump"/>
-              </a:rPr>
-              <a:t>RLE </a:t>
-            </a:r>
+              <a:t>However, most of the time spent when doing query evaluation on projection indexes, is spent in transferring data from the CPU to the GPU</a:t>
+            </a:r>
+          </a:p>
+          <a:p>
+            <a:pPr algn="just"/>
             <a:r>
               <a:rPr lang="en-US" sz="2800" dirty="0" smtClean="0"/>
-              <a:t>(Run Length Encoding)</a:t>
-            </a:r>
-            <a:endParaRPr lang="en-US" sz="2800" dirty="0" smtClean="0"/>
-          </a:p>
-          <a:p>
+              <a:t>The approach taken to </a:t>
+            </a:r>
             <a:r>
               <a:rPr lang="en-US" sz="2800" dirty="0" smtClean="0"/>
-              <a:t>For </a:t>
-            </a:r>
+              <a:t>improve on this problem is to reduce the size of the data that needs to be transferred. </a:t>
+            </a:r>
+          </a:p>
+          <a:p>
+            <a:pPr algn="just"/>
             <a:r>
               <a:rPr lang="en-US" sz="2800" dirty="0" smtClean="0"/>
-              <a:t>this to be effective the following assumptions must be made:</a:t>
-            </a:r>
-          </a:p>
-          <a:p>
-            <a:pPr lvl="1"/>
-            <a:r>
-              <a:rPr lang="en-US" dirty="0" smtClean="0"/>
-              <a:t>The data in the projection index is previously sorted</a:t>
-            </a:r>
-          </a:p>
-          <a:p>
-            <a:pPr lvl="1"/>
-            <a:r>
-              <a:rPr lang="en-US" dirty="0" smtClean="0"/>
-              <a:t>The projection index is created on a column that is not unique.</a:t>
-            </a:r>
-          </a:p>
-          <a:p>
-            <a:endParaRPr lang="en-US" dirty="0"/>
+              <a:t>Compression could be a good way to reduce the size of data.</a:t>
+            </a:r>
           </a:p>
         </p:txBody>
       </p:sp>
@@ -4741,6 +6518,255 @@
 </file>
 
 <file path=ppt/slides/slide4.xml><?xml version="1.0" encoding="utf-8"?>
+<p:sld xmlns:a="http://schemas.openxmlformats.org/drawingml/2006/main" xmlns:r="http://schemas.openxmlformats.org/officeDocument/2006/relationships" xmlns:p="http://schemas.openxmlformats.org/presentationml/2006/main">
+  <p:cSld>
+    <p:spTree>
+      <p:nvGrpSpPr>
+        <p:cNvPr id="1" name=""/>
+        <p:cNvGrpSpPr/>
+        <p:nvPr/>
+      </p:nvGrpSpPr>
+      <p:grpSpPr>
+        <a:xfrm>
+          <a:off x="0" y="0"/>
+          <a:ext cx="0" cy="0"/>
+          <a:chOff x="0" y="0"/>
+          <a:chExt cx="0" cy="0"/>
+        </a:xfrm>
+      </p:grpSpPr>
+      <p:sp>
+        <p:nvSpPr>
+          <p:cNvPr id="2" name="Title 1"/>
+          <p:cNvSpPr>
+            <a:spLocks noGrp="1"/>
+          </p:cNvSpPr>
+          <p:nvPr>
+            <p:ph type="title"/>
+          </p:nvPr>
+        </p:nvSpPr>
+        <p:spPr/>
+        <p:txBody>
+          <a:bodyPr/>
+          <a:lstStyle/>
+          <a:p>
+            <a:r>
+              <a:rPr lang="en-US" dirty="0" smtClean="0"/>
+              <a:t>Outline</a:t>
+            </a:r>
+            <a:endParaRPr lang="en-US" dirty="0"/>
+          </a:p>
+        </p:txBody>
+      </p:sp>
+      <p:sp>
+        <p:nvSpPr>
+          <p:cNvPr id="3" name="Content Placeholder 2"/>
+          <p:cNvSpPr>
+            <a:spLocks noGrp="1"/>
+          </p:cNvSpPr>
+          <p:nvPr>
+            <p:ph idx="1"/>
+          </p:nvPr>
+        </p:nvSpPr>
+        <p:spPr/>
+        <p:txBody>
+          <a:bodyPr/>
+          <a:lstStyle/>
+          <a:p>
+            <a:r>
+              <a:rPr lang="en-US" dirty="0" smtClean="0"/>
+              <a:t>Introduction and Motivation</a:t>
+            </a:r>
+          </a:p>
+          <a:p>
+            <a:r>
+              <a:rPr lang="en-US" dirty="0" smtClean="0">
+                <a:solidFill>
+                  <a:srgbClr val="FF0000"/>
+                </a:solidFill>
+              </a:rPr>
+              <a:t>The Project</a:t>
+            </a:r>
+          </a:p>
+          <a:p>
+            <a:pPr lvl="1"/>
+            <a:r>
+              <a:rPr lang="en-US" dirty="0" smtClean="0"/>
+              <a:t>RLE Run Length Encoding</a:t>
+            </a:r>
+          </a:p>
+          <a:p>
+            <a:pPr lvl="1"/>
+            <a:r>
+              <a:rPr lang="en-US" dirty="0" smtClean="0"/>
+              <a:t>Uncompressing the Index</a:t>
+            </a:r>
+          </a:p>
+          <a:p>
+            <a:r>
+              <a:rPr lang="en-US" dirty="0" smtClean="0"/>
+              <a:t>Parallel Prefix Sum </a:t>
+            </a:r>
+            <a:r>
+              <a:rPr lang="en-US" dirty="0" smtClean="0"/>
+              <a:t>Algorithms</a:t>
+            </a:r>
+          </a:p>
+          <a:p>
+            <a:pPr lvl="1"/>
+            <a:r>
+              <a:rPr lang="en-US" dirty="0" smtClean="0"/>
+              <a:t>Naïve approach</a:t>
+            </a:r>
+          </a:p>
+          <a:p>
+            <a:pPr lvl="1"/>
+            <a:r>
+              <a:rPr lang="en-US" dirty="0" smtClean="0"/>
+              <a:t>Work-efficient algorithm</a:t>
+            </a:r>
+            <a:endParaRPr lang="en-US" dirty="0" smtClean="0"/>
+          </a:p>
+          <a:p>
+            <a:r>
+              <a:rPr lang="en-US" dirty="0" smtClean="0"/>
+              <a:t>Benchmarking</a:t>
+            </a:r>
+            <a:endParaRPr lang="en-US" dirty="0"/>
+          </a:p>
+        </p:txBody>
+      </p:sp>
+    </p:spTree>
+  </p:cSld>
+  <p:clrMapOvr>
+    <a:masterClrMapping/>
+  </p:clrMapOvr>
+  <p:timing>
+    <p:tnLst>
+      <p:par>
+        <p:cTn id="1" dur="indefinite" restart="never" nodeType="tmRoot"/>
+      </p:par>
+    </p:tnLst>
+  </p:timing>
+</p:sld>
+</file>
+
+<file path=ppt/slides/slide5.xml><?xml version="1.0" encoding="utf-8"?>
+<p:sld xmlns:a="http://schemas.openxmlformats.org/drawingml/2006/main" xmlns:r="http://schemas.openxmlformats.org/officeDocument/2006/relationships" xmlns:p="http://schemas.openxmlformats.org/presentationml/2006/main">
+  <p:cSld>
+    <p:spTree>
+      <p:nvGrpSpPr>
+        <p:cNvPr id="1" name=""/>
+        <p:cNvGrpSpPr/>
+        <p:nvPr/>
+      </p:nvGrpSpPr>
+      <p:grpSpPr>
+        <a:xfrm>
+          <a:off x="0" y="0"/>
+          <a:ext cx="0" cy="0"/>
+          <a:chOff x="0" y="0"/>
+          <a:chExt cx="0" cy="0"/>
+        </a:xfrm>
+      </p:grpSpPr>
+      <p:sp>
+        <p:nvSpPr>
+          <p:cNvPr id="2" name="Title 1"/>
+          <p:cNvSpPr>
+            <a:spLocks noGrp="1"/>
+          </p:cNvSpPr>
+          <p:nvPr>
+            <p:ph type="title"/>
+          </p:nvPr>
+        </p:nvSpPr>
+        <p:spPr/>
+        <p:txBody>
+          <a:bodyPr/>
+          <a:lstStyle/>
+          <a:p>
+            <a:r>
+              <a:rPr lang="en-US" dirty="0" smtClean="0"/>
+              <a:t>The Project</a:t>
+            </a:r>
+            <a:endParaRPr lang="en-US" dirty="0"/>
+          </a:p>
+        </p:txBody>
+      </p:sp>
+      <p:sp>
+        <p:nvSpPr>
+          <p:cNvPr id="3" name="Content Placeholder 2"/>
+          <p:cNvSpPr>
+            <a:spLocks noGrp="1"/>
+          </p:cNvSpPr>
+          <p:nvPr>
+            <p:ph idx="1"/>
+          </p:nvPr>
+        </p:nvSpPr>
+        <p:spPr/>
+        <p:txBody>
+          <a:bodyPr/>
+          <a:lstStyle/>
+          <a:p>
+            <a:r>
+              <a:rPr lang="en-US" sz="2800" dirty="0" smtClean="0"/>
+              <a:t>A compressed projection index will be used.</a:t>
+            </a:r>
+          </a:p>
+          <a:p>
+            <a:r>
+              <a:rPr lang="en-US" sz="2800" dirty="0" smtClean="0"/>
+              <a:t>The compression method is </a:t>
+            </a:r>
+            <a:r>
+              <a:rPr lang="en-US" sz="2800" dirty="0" smtClean="0">
+                <a:hlinkClick r:id="rId2" action="ppaction://hlinksldjump"/>
+              </a:rPr>
+              <a:t>RLE </a:t>
+            </a:r>
+            <a:r>
+              <a:rPr lang="en-US" sz="2800" dirty="0" smtClean="0"/>
+              <a:t>(Run Length Encoding)</a:t>
+            </a:r>
+          </a:p>
+          <a:p>
+            <a:r>
+              <a:rPr lang="en-US" sz="2800" dirty="0" smtClean="0"/>
+              <a:t>For this to be effective the following assumptions must be made:</a:t>
+            </a:r>
+          </a:p>
+          <a:p>
+            <a:pPr lvl="1"/>
+            <a:r>
+              <a:rPr lang="en-US" dirty="0" smtClean="0"/>
+              <a:t>The data in the projection index is previously sorted</a:t>
+            </a:r>
+          </a:p>
+          <a:p>
+            <a:pPr lvl="1"/>
+            <a:r>
+              <a:rPr lang="en-US" dirty="0" smtClean="0"/>
+              <a:t>The projection index is created on a column that is not unique.</a:t>
+            </a:r>
+          </a:p>
+          <a:p>
+            <a:endParaRPr lang="en-US" dirty="0"/>
+          </a:p>
+        </p:txBody>
+      </p:sp>
+    </p:spTree>
+  </p:cSld>
+  <p:clrMapOvr>
+    <a:masterClrMapping/>
+  </p:clrMapOvr>
+  <p:timing>
+    <p:tnLst>
+      <p:par>
+        <p:cTn id="1" dur="indefinite" restart="never" nodeType="tmRoot"/>
+      </p:par>
+    </p:tnLst>
+  </p:timing>
+</p:sld>
+</file>
+
+<file path=ppt/slides/slide6.xml><?xml version="1.0" encoding="utf-8"?>
 <p:sld xmlns:a="http://schemas.openxmlformats.org/drawingml/2006/main" xmlns:r="http://schemas.openxmlformats.org/officeDocument/2006/relationships" xmlns:p="http://schemas.openxmlformats.org/presentationml/2006/main" show="0">
   <p:cSld>
     <p:spTree>
@@ -5060,7 +7086,7 @@
 </p:sld>
 </file>
 
-<file path=ppt/slides/slide5.xml><?xml version="1.0" encoding="utf-8"?>
+<file path=ppt/slides/slide7.xml><?xml version="1.0" encoding="utf-8"?>
 <p:sld xmlns:a="http://schemas.openxmlformats.org/drawingml/2006/main" xmlns:r="http://schemas.openxmlformats.org/officeDocument/2006/relationships" xmlns:p="http://schemas.openxmlformats.org/presentationml/2006/main">
   <p:cSld>
     <p:spTree>
@@ -5123,11 +7149,15 @@
           <a:p>
             <a:r>
               <a:rPr lang="en-US" dirty="0" smtClean="0"/>
-              <a:t>It will then be </a:t>
-            </a:r>
-            <a:r>
-              <a:rPr lang="en-US" dirty="0" smtClean="0"/>
-              <a:t>uncompressed in the GPU using a parallel prefix sum algorithm.</a:t>
+              <a:t>It will then be uncompressed in the GPU using a </a:t>
+            </a:r>
+            <a:r>
+              <a:rPr lang="en-US" dirty="0" smtClean="0"/>
+              <a:t>prefix </a:t>
+            </a:r>
+            <a:r>
+              <a:rPr lang="en-US" dirty="0" smtClean="0"/>
+              <a:t>sum algorithm.</a:t>
             </a:r>
             <a:endParaRPr lang="en-US" dirty="0"/>
           </a:p>
@@ -5372,10 +7402,7 @@
             <a:lstStyle/>
             <a:p>
               <a:pPr lvl="1"/>
-              <a:r>
-                <a:rPr lang="en-US" dirty="0" smtClean="0"/>
-                <a:t>A3B1C7</a:t>
-              </a:r>
+              <a:endParaRPr lang="en-US" dirty="0" smtClean="0"/>
             </a:p>
           </p:txBody>
         </p:sp>
@@ -5410,802 +7437,64 @@
           </p:txBody>
         </p:sp>
       </p:grpSp>
-    </p:spTree>
-  </p:cSld>
-  <p:clrMapOvr>
-    <a:masterClrMapping/>
-  </p:clrMapOvr>
-  <p:timing>
-    <p:tnLst>
-      <p:par>
-        <p:cTn id="1" dur="indefinite" restart="never" nodeType="tmRoot"/>
-      </p:par>
-    </p:tnLst>
-  </p:timing>
-</p:sld>
-</file>
-
-<file path=ppt/slides/slide6.xml><?xml version="1.0" encoding="utf-8"?>
-<p:sld xmlns:a="http://schemas.openxmlformats.org/drawingml/2006/main" xmlns:r="http://schemas.openxmlformats.org/officeDocument/2006/relationships" xmlns:p="http://schemas.openxmlformats.org/presentationml/2006/main">
-  <p:cSld>
-    <p:spTree>
-      <p:nvGrpSpPr>
-        <p:cNvPr id="1" name=""/>
-        <p:cNvGrpSpPr/>
-        <p:nvPr/>
-      </p:nvGrpSpPr>
-      <p:grpSpPr>
-        <a:xfrm>
-          <a:off x="0" y="0"/>
-          <a:ext cx="0" cy="0"/>
-          <a:chOff x="0" y="0"/>
-          <a:chExt cx="0" cy="0"/>
-        </a:xfrm>
-      </p:grpSpPr>
-      <p:sp>
-        <p:nvSpPr>
-          <p:cNvPr id="2" name="Title 1"/>
-          <p:cNvSpPr>
-            <a:spLocks noGrp="1"/>
-          </p:cNvSpPr>
-          <p:nvPr>
-            <p:ph type="title"/>
-          </p:nvPr>
-        </p:nvSpPr>
-        <p:spPr/>
-        <p:txBody>
-          <a:bodyPr/>
-          <a:lstStyle/>
-          <a:p>
-            <a:r>
-              <a:rPr lang="en-US" dirty="0" smtClean="0"/>
-              <a:t>RLE (Run Length Encoding)</a:t>
+      <p:sp>
+        <p:nvSpPr>
+          <p:cNvPr id="11" name="Rectangle 10"/>
+          <p:cNvSpPr/>
+          <p:nvPr/>
+        </p:nvSpPr>
+        <p:spPr>
+          <a:xfrm>
+            <a:off x="4005189" y="4888468"/>
+            <a:ext cx="795411" cy="369332"/>
+          </a:xfrm>
+          <a:prstGeom prst="rect">
+            <a:avLst/>
+          </a:prstGeom>
+        </p:spPr>
+        <p:txBody>
+          <a:bodyPr wrap="none">
+            <a:spAutoFit/>
+          </a:bodyPr>
+          <a:lstStyle/>
+          <a:p>
+            <a:r>
+              <a:rPr lang="en-US" dirty="0" smtClean="0"/>
+              <a:t>A-B-C</a:t>
             </a:r>
             <a:endParaRPr lang="en-US" dirty="0"/>
           </a:p>
         </p:txBody>
       </p:sp>
-      <p:graphicFrame>
-        <p:nvGraphicFramePr>
-          <p:cNvPr id="5" name="Content Placeholder 3"/>
-          <p:cNvGraphicFramePr>
-            <a:graphicFrameLocks/>
-          </p:cNvGraphicFramePr>
+      <p:sp>
+        <p:nvSpPr>
+          <p:cNvPr id="12" name="Rectangle 11"/>
+          <p:cNvSpPr/>
           <p:nvPr/>
-        </p:nvGraphicFramePr>
-        <p:xfrm>
-          <a:off x="914400" y="2362200"/>
-          <a:ext cx="6172200" cy="370840"/>
-        </p:xfrm>
-        <a:graphic>
-          <a:graphicData uri="http://schemas.openxmlformats.org/drawingml/2006/table">
-            <a:tbl>
-              <a:tblPr firstRow="1" bandRow="1">
-                <a:tableStyleId>{5C22544A-7EE6-4342-B048-85BDC9FD1C3A}</a:tableStyleId>
-              </a:tblPr>
-              <a:tblGrid>
-                <a:gridCol w="1028700"/>
-                <a:gridCol w="1028700"/>
-                <a:gridCol w="1028700"/>
-                <a:gridCol w="1028700"/>
-                <a:gridCol w="1028700"/>
-                <a:gridCol w="1028700"/>
-              </a:tblGrid>
-              <a:tr h="370840">
-                <a:tc>
-                  <a:txBody>
-                    <a:bodyPr/>
-                    <a:lstStyle/>
-                    <a:p>
-                      <a:r>
-                        <a:rPr lang="en-US" dirty="0" smtClean="0"/>
-                        <a:t>A</a:t>
-                      </a:r>
-                      <a:endParaRPr lang="en-US" dirty="0"/>
-                    </a:p>
-                  </a:txBody>
-                  <a:tcPr/>
-                </a:tc>
-                <a:tc>
-                  <a:txBody>
-                    <a:bodyPr/>
-                    <a:lstStyle/>
-                    <a:p>
-                      <a:r>
-                        <a:rPr lang="en-US" dirty="0" smtClean="0"/>
-                        <a:t>2</a:t>
-                      </a:r>
-                      <a:endParaRPr lang="en-US" dirty="0"/>
-                    </a:p>
-                  </a:txBody>
-                  <a:tcPr/>
-                </a:tc>
-                <a:tc>
-                  <a:txBody>
-                    <a:bodyPr/>
-                    <a:lstStyle/>
-                    <a:p>
-                      <a:r>
-                        <a:rPr lang="en-US" dirty="0" smtClean="0"/>
-                        <a:t>B</a:t>
-                      </a:r>
-                      <a:endParaRPr lang="en-US" dirty="0"/>
-                    </a:p>
-                  </a:txBody>
-                  <a:tcPr/>
-                </a:tc>
-                <a:tc>
-                  <a:txBody>
-                    <a:bodyPr/>
-                    <a:lstStyle/>
-                    <a:p>
-                      <a:r>
-                        <a:rPr lang="en-US" dirty="0" smtClean="0"/>
-                        <a:t>4</a:t>
-                      </a:r>
-                      <a:endParaRPr lang="en-US" dirty="0"/>
-                    </a:p>
-                  </a:txBody>
-                  <a:tcPr/>
-                </a:tc>
-                <a:tc>
-                  <a:txBody>
-                    <a:bodyPr/>
-                    <a:lstStyle/>
-                    <a:p>
-                      <a:r>
-                        <a:rPr lang="en-US" dirty="0" smtClean="0"/>
-                        <a:t>C</a:t>
-                      </a:r>
-                      <a:endParaRPr lang="en-US" dirty="0"/>
-                    </a:p>
-                  </a:txBody>
-                  <a:tcPr/>
-                </a:tc>
-                <a:tc>
-                  <a:txBody>
-                    <a:bodyPr/>
-                    <a:lstStyle/>
-                    <a:p>
-                      <a:r>
-                        <a:rPr lang="en-US" dirty="0" smtClean="0"/>
-                        <a:t>2</a:t>
-                      </a:r>
-                      <a:endParaRPr lang="en-US" dirty="0"/>
-                    </a:p>
-                  </a:txBody>
-                  <a:tcPr/>
-                </a:tc>
-              </a:tr>
-            </a:tbl>
-          </a:graphicData>
-        </a:graphic>
-      </p:graphicFrame>
-      <p:graphicFrame>
-        <p:nvGraphicFramePr>
-          <p:cNvPr id="10" name="Table 9"/>
-          <p:cNvGraphicFramePr>
-            <a:graphicFrameLocks noGrp="1"/>
-          </p:cNvGraphicFramePr>
-          <p:nvPr/>
-        </p:nvGraphicFramePr>
-        <p:xfrm>
-          <a:off x="914400" y="4114800"/>
-          <a:ext cx="4876800" cy="741680"/>
-        </p:xfrm>
-        <a:graphic>
-          <a:graphicData uri="http://schemas.openxmlformats.org/drawingml/2006/table">
-            <a:tbl>
-              <a:tblPr firstRow="1" bandRow="1">
-                <a:tableStyleId>{5C22544A-7EE6-4342-B048-85BDC9FD1C3A}</a:tableStyleId>
-              </a:tblPr>
-              <a:tblGrid>
-                <a:gridCol w="609600"/>
-                <a:gridCol w="609600"/>
-                <a:gridCol w="609600"/>
-                <a:gridCol w="609600"/>
-                <a:gridCol w="609600"/>
-                <a:gridCol w="609600"/>
-                <a:gridCol w="609600"/>
-                <a:gridCol w="609600"/>
-              </a:tblGrid>
-              <a:tr h="370840">
-                <a:tc>
-                  <a:txBody>
-                    <a:bodyPr/>
-                    <a:lstStyle/>
-                    <a:p>
-                      <a:r>
-                        <a:rPr lang="en-US" dirty="0" smtClean="0"/>
-                        <a:t>1</a:t>
-                      </a:r>
-                      <a:endParaRPr lang="en-US" dirty="0"/>
-                    </a:p>
-                  </a:txBody>
-                  <a:tcPr/>
-                </a:tc>
-                <a:tc>
-                  <a:txBody>
-                    <a:bodyPr/>
-                    <a:lstStyle/>
-                    <a:p>
-                      <a:r>
-                        <a:rPr lang="en-US" dirty="0" smtClean="0"/>
-                        <a:t>2</a:t>
-                      </a:r>
-                      <a:endParaRPr lang="en-US" dirty="0"/>
-                    </a:p>
-                  </a:txBody>
-                  <a:tcPr/>
-                </a:tc>
-                <a:tc>
-                  <a:txBody>
-                    <a:bodyPr/>
-                    <a:lstStyle/>
-                    <a:p>
-                      <a:r>
-                        <a:rPr lang="en-US" dirty="0" smtClean="0"/>
-                        <a:t>3</a:t>
-                      </a:r>
-                      <a:endParaRPr lang="en-US" dirty="0"/>
-                    </a:p>
-                  </a:txBody>
-                  <a:tcPr/>
-                </a:tc>
-                <a:tc>
-                  <a:txBody>
-                    <a:bodyPr/>
-                    <a:lstStyle/>
-                    <a:p>
-                      <a:r>
-                        <a:rPr lang="en-US" dirty="0" smtClean="0"/>
-                        <a:t>4</a:t>
-                      </a:r>
-                      <a:endParaRPr lang="en-US" dirty="0"/>
-                    </a:p>
-                  </a:txBody>
-                  <a:tcPr/>
-                </a:tc>
-                <a:tc>
-                  <a:txBody>
-                    <a:bodyPr/>
-                    <a:lstStyle/>
-                    <a:p>
-                      <a:r>
-                        <a:rPr lang="en-US" dirty="0" smtClean="0"/>
-                        <a:t>5</a:t>
-                      </a:r>
-                      <a:endParaRPr lang="en-US" dirty="0"/>
-                    </a:p>
-                  </a:txBody>
-                  <a:tcPr/>
-                </a:tc>
-                <a:tc>
-                  <a:txBody>
-                    <a:bodyPr/>
-                    <a:lstStyle/>
-                    <a:p>
-                      <a:r>
-                        <a:rPr lang="en-US" dirty="0" smtClean="0"/>
-                        <a:t>6</a:t>
-                      </a:r>
-                      <a:endParaRPr lang="en-US" dirty="0"/>
-                    </a:p>
-                  </a:txBody>
-                  <a:tcPr/>
-                </a:tc>
-                <a:tc>
-                  <a:txBody>
-                    <a:bodyPr/>
-                    <a:lstStyle/>
-                    <a:p>
-                      <a:r>
-                        <a:rPr lang="en-US" dirty="0" smtClean="0"/>
-                        <a:t>7</a:t>
-                      </a:r>
-                      <a:endParaRPr lang="en-US" dirty="0"/>
-                    </a:p>
-                  </a:txBody>
-                  <a:tcPr/>
-                </a:tc>
-                <a:tc>
-                  <a:txBody>
-                    <a:bodyPr/>
-                    <a:lstStyle/>
-                    <a:p>
-                      <a:r>
-                        <a:rPr lang="en-US" dirty="0" smtClean="0"/>
-                        <a:t>8</a:t>
-                      </a:r>
-                      <a:endParaRPr lang="en-US" dirty="0"/>
-                    </a:p>
-                  </a:txBody>
-                  <a:tcPr/>
-                </a:tc>
-              </a:tr>
-              <a:tr h="370840">
-                <a:tc>
-                  <a:txBody>
-                    <a:bodyPr/>
-                    <a:lstStyle/>
-                    <a:p>
-                      <a:r>
-                        <a:rPr lang="en-US" dirty="0" smtClean="0"/>
-                        <a:t>A</a:t>
-                      </a:r>
-                      <a:endParaRPr lang="en-US" dirty="0"/>
-                    </a:p>
-                  </a:txBody>
-                  <a:tcPr/>
-                </a:tc>
-                <a:tc>
-                  <a:txBody>
-                    <a:bodyPr/>
-                    <a:lstStyle/>
-                    <a:p>
-                      <a:r>
-                        <a:rPr lang="en-US" dirty="0" smtClean="0"/>
-                        <a:t>A</a:t>
-                      </a:r>
-                      <a:endParaRPr lang="en-US" dirty="0"/>
-                    </a:p>
-                  </a:txBody>
-                  <a:tcPr/>
-                </a:tc>
-                <a:tc>
-                  <a:txBody>
-                    <a:bodyPr/>
-                    <a:lstStyle/>
-                    <a:p>
-                      <a:r>
-                        <a:rPr lang="en-US" dirty="0" smtClean="0"/>
-                        <a:t>B</a:t>
-                      </a:r>
-                      <a:endParaRPr lang="en-US" dirty="0"/>
-                    </a:p>
-                  </a:txBody>
-                  <a:tcPr/>
-                </a:tc>
-                <a:tc>
-                  <a:txBody>
-                    <a:bodyPr/>
-                    <a:lstStyle/>
-                    <a:p>
-                      <a:r>
-                        <a:rPr lang="en-US" dirty="0" smtClean="0"/>
-                        <a:t>B</a:t>
-                      </a:r>
-                      <a:endParaRPr lang="en-US" dirty="0"/>
-                    </a:p>
-                  </a:txBody>
-                  <a:tcPr/>
-                </a:tc>
-                <a:tc>
-                  <a:txBody>
-                    <a:bodyPr/>
-                    <a:lstStyle/>
-                    <a:p>
-                      <a:r>
-                        <a:rPr lang="en-US" dirty="0" smtClean="0"/>
-                        <a:t>B</a:t>
-                      </a:r>
-                      <a:endParaRPr lang="en-US" dirty="0"/>
-                    </a:p>
-                  </a:txBody>
-                  <a:tcPr/>
-                </a:tc>
-                <a:tc>
-                  <a:txBody>
-                    <a:bodyPr/>
-                    <a:lstStyle/>
-                    <a:p>
-                      <a:r>
-                        <a:rPr lang="en-US" dirty="0" smtClean="0"/>
-                        <a:t>B</a:t>
-                      </a:r>
-                      <a:endParaRPr lang="en-US" dirty="0"/>
-                    </a:p>
-                  </a:txBody>
-                  <a:tcPr/>
-                </a:tc>
-                <a:tc>
-                  <a:txBody>
-                    <a:bodyPr/>
-                    <a:lstStyle/>
-                    <a:p>
-                      <a:r>
-                        <a:rPr lang="en-US" dirty="0" smtClean="0"/>
-                        <a:t>C</a:t>
-                      </a:r>
-                      <a:endParaRPr lang="en-US" dirty="0"/>
-                    </a:p>
-                  </a:txBody>
-                  <a:tcPr/>
-                </a:tc>
-                <a:tc>
-                  <a:txBody>
-                    <a:bodyPr/>
-                    <a:lstStyle/>
-                    <a:p>
-                      <a:r>
-                        <a:rPr lang="en-US" dirty="0" smtClean="0"/>
-                        <a:t>C</a:t>
-                      </a:r>
-                      <a:endParaRPr lang="en-US" dirty="0"/>
-                    </a:p>
-                  </a:txBody>
-                  <a:tcPr/>
-                </a:tc>
-              </a:tr>
-            </a:tbl>
-          </a:graphicData>
-        </a:graphic>
-      </p:graphicFrame>
-      <p:graphicFrame>
-        <p:nvGraphicFramePr>
-          <p:cNvPr id="12" name="Content Placeholder 3"/>
-          <p:cNvGraphicFramePr>
-            <a:graphicFrameLocks/>
-          </p:cNvGraphicFramePr>
-          <p:nvPr/>
-        </p:nvGraphicFramePr>
-        <p:xfrm>
-          <a:off x="914400" y="3286760"/>
-          <a:ext cx="3086100" cy="370840"/>
-        </p:xfrm>
-        <a:graphic>
-          <a:graphicData uri="http://schemas.openxmlformats.org/drawingml/2006/table">
-            <a:tbl>
-              <a:tblPr firstRow="1" bandRow="1">
-                <a:tableStyleId>{5C22544A-7EE6-4342-B048-85BDC9FD1C3A}</a:tableStyleId>
-              </a:tblPr>
-              <a:tblGrid>
-                <a:gridCol w="1028700"/>
-                <a:gridCol w="1028700"/>
-                <a:gridCol w="1028700"/>
-              </a:tblGrid>
-              <a:tr h="370840">
-                <a:tc>
-                  <a:txBody>
-                    <a:bodyPr/>
-                    <a:lstStyle/>
-                    <a:p>
-                      <a:r>
-                        <a:rPr lang="en-US" dirty="0" smtClean="0"/>
-                        <a:t>2</a:t>
-                      </a:r>
-                      <a:endParaRPr lang="en-US" dirty="0"/>
-                    </a:p>
-                  </a:txBody>
-                  <a:tcPr/>
-                </a:tc>
-                <a:tc>
-                  <a:txBody>
-                    <a:bodyPr/>
-                    <a:lstStyle/>
-                    <a:p>
-                      <a:r>
-                        <a:rPr lang="en-US" dirty="0" smtClean="0"/>
-                        <a:t>6</a:t>
-                      </a:r>
-                      <a:endParaRPr lang="en-US" dirty="0"/>
-                    </a:p>
-                  </a:txBody>
-                  <a:tcPr/>
-                </a:tc>
-                <a:tc>
-                  <a:txBody>
-                    <a:bodyPr/>
-                    <a:lstStyle/>
-                    <a:p>
-                      <a:r>
-                        <a:rPr lang="en-US" dirty="0" smtClean="0"/>
-                        <a:t>8</a:t>
-                      </a:r>
-                      <a:endParaRPr lang="en-US" dirty="0"/>
-                    </a:p>
-                  </a:txBody>
-                  <a:tcPr/>
-                </a:tc>
-              </a:tr>
-            </a:tbl>
-          </a:graphicData>
-        </a:graphic>
-      </p:graphicFrame>
-    </p:spTree>
-  </p:cSld>
-  <p:clrMapOvr>
-    <a:masterClrMapping/>
-  </p:clrMapOvr>
-  <p:transition/>
-  <p:timing>
-    <p:tnLst>
-      <p:par>
-        <p:cTn id="1" dur="indefinite" restart="never" nodeType="tmRoot"/>
-      </p:par>
-    </p:tnLst>
-  </p:timing>
-</p:sld>
-</file>
-
-<file path=ppt/slides/slide7.xml><?xml version="1.0" encoding="utf-8"?>
-<p:sld xmlns:a="http://schemas.openxmlformats.org/drawingml/2006/main" xmlns:r="http://schemas.openxmlformats.org/officeDocument/2006/relationships" xmlns:p="http://schemas.openxmlformats.org/presentationml/2006/main">
-  <p:cSld>
-    <p:spTree>
-      <p:nvGrpSpPr>
-        <p:cNvPr id="1" name=""/>
-        <p:cNvGrpSpPr/>
-        <p:nvPr/>
-      </p:nvGrpSpPr>
-      <p:grpSpPr>
-        <a:xfrm>
-          <a:off x="0" y="0"/>
-          <a:ext cx="0" cy="0"/>
-          <a:chOff x="0" y="0"/>
-          <a:chExt cx="0" cy="0"/>
-        </a:xfrm>
-      </p:grpSpPr>
-      <p:sp>
-        <p:nvSpPr>
-          <p:cNvPr id="2" name="Title 1"/>
-          <p:cNvSpPr>
-            <a:spLocks noGrp="1"/>
-          </p:cNvSpPr>
-          <p:nvPr>
-            <p:ph type="title"/>
-          </p:nvPr>
-        </p:nvSpPr>
-        <p:spPr/>
-        <p:txBody>
-          <a:bodyPr>
-            <a:normAutofit/>
+        </p:nvSpPr>
+        <p:spPr>
+          <a:xfrm>
+            <a:off x="3962400" y="4572000"/>
+            <a:ext cx="904415" cy="369332"/>
+          </a:xfrm>
+          <a:prstGeom prst="rect">
+            <a:avLst/>
+          </a:prstGeom>
+        </p:spPr>
+        <p:txBody>
+          <a:bodyPr wrap="none">
+            <a:spAutoFit/>
           </a:bodyPr>
           <a:lstStyle/>
           <a:p>
             <a:r>
               <a:rPr lang="en-US" dirty="0" smtClean="0"/>
-              <a:t>Prefix Sum (Scan)</a:t>
+              <a:t>3 – 1 - 7</a:t>
             </a:r>
             <a:endParaRPr lang="en-US" dirty="0"/>
           </a:p>
         </p:txBody>
       </p:sp>
-      <p:graphicFrame>
-        <p:nvGraphicFramePr>
-          <p:cNvPr id="5" name="Table 4"/>
-          <p:cNvGraphicFramePr>
-            <a:graphicFrameLocks noGrp="1"/>
-          </p:cNvGraphicFramePr>
-          <p:nvPr/>
-        </p:nvGraphicFramePr>
-        <p:xfrm>
-          <a:off x="914400" y="2286000"/>
-          <a:ext cx="2209800" cy="3276602"/>
-        </p:xfrm>
-        <a:graphic>
-          <a:graphicData uri="http://schemas.openxmlformats.org/drawingml/2006/table">
-            <a:tbl>
-              <a:tblPr firstRow="1" bandRow="1">
-                <a:tableStyleId>{5940675A-B579-460E-94D1-54222C63F5DA}</a:tableStyleId>
-              </a:tblPr>
-              <a:tblGrid>
-                <a:gridCol w="1104900"/>
-                <a:gridCol w="1104900"/>
-              </a:tblGrid>
-              <a:tr h="468086">
-                <a:tc>
-                  <a:txBody>
-                    <a:bodyPr/>
-                    <a:lstStyle/>
-                    <a:p>
-                      <a:r>
-                        <a:rPr lang="en-US" sz="2100" dirty="0" smtClean="0"/>
-                        <a:t>3</a:t>
-                      </a:r>
-                      <a:endParaRPr lang="en-US" sz="2100" dirty="0"/>
-                    </a:p>
-                  </a:txBody>
-                  <a:tcPr/>
-                </a:tc>
-                <a:tc>
-                  <a:txBody>
-                    <a:bodyPr/>
-                    <a:lstStyle/>
-                    <a:p>
-                      <a:r>
-                        <a:rPr lang="en-US" sz="2100" dirty="0" smtClean="0"/>
-                        <a:t>3</a:t>
-                      </a:r>
-                      <a:endParaRPr lang="en-US" sz="2100" dirty="0"/>
-                    </a:p>
-                  </a:txBody>
-                  <a:tcPr/>
-                </a:tc>
-              </a:tr>
-              <a:tr h="468086">
-                <a:tc>
-                  <a:txBody>
-                    <a:bodyPr/>
-                    <a:lstStyle/>
-                    <a:p>
-                      <a:r>
-                        <a:rPr lang="en-US" sz="2100" dirty="0" smtClean="0"/>
-                        <a:t>1</a:t>
-                      </a:r>
-                      <a:endParaRPr lang="en-US" sz="2100" dirty="0"/>
-                    </a:p>
-                  </a:txBody>
-                  <a:tcPr/>
-                </a:tc>
-                <a:tc>
-                  <a:txBody>
-                    <a:bodyPr/>
-                    <a:lstStyle/>
-                    <a:p>
-                      <a:r>
-                        <a:rPr lang="en-US" sz="2100" dirty="0" smtClean="0"/>
-                        <a:t>4</a:t>
-                      </a:r>
-                      <a:endParaRPr lang="en-US" sz="2100" dirty="0"/>
-                    </a:p>
-                  </a:txBody>
-                  <a:tcPr/>
-                </a:tc>
-              </a:tr>
-              <a:tr h="468086">
-                <a:tc>
-                  <a:txBody>
-                    <a:bodyPr/>
-                    <a:lstStyle/>
-                    <a:p>
-                      <a:r>
-                        <a:rPr lang="en-US" sz="2100" dirty="0" smtClean="0"/>
-                        <a:t>7</a:t>
-                      </a:r>
-                      <a:endParaRPr lang="en-US" sz="2100" dirty="0"/>
-                    </a:p>
-                  </a:txBody>
-                  <a:tcPr/>
-                </a:tc>
-                <a:tc>
-                  <a:txBody>
-                    <a:bodyPr/>
-                    <a:lstStyle/>
-                    <a:p>
-                      <a:r>
-                        <a:rPr lang="en-US" sz="2100" dirty="0" smtClean="0"/>
-                        <a:t>11</a:t>
-                      </a:r>
-                      <a:endParaRPr lang="en-US" sz="2100" dirty="0"/>
-                    </a:p>
-                  </a:txBody>
-                  <a:tcPr/>
-                </a:tc>
-              </a:tr>
-              <a:tr h="468086">
-                <a:tc>
-                  <a:txBody>
-                    <a:bodyPr/>
-                    <a:lstStyle/>
-                    <a:p>
-                      <a:r>
-                        <a:rPr lang="en-US" sz="2100" dirty="0" smtClean="0"/>
-                        <a:t>0</a:t>
-                      </a:r>
-                      <a:endParaRPr lang="en-US" sz="2100" dirty="0"/>
-                    </a:p>
-                  </a:txBody>
-                  <a:tcPr/>
-                </a:tc>
-                <a:tc>
-                  <a:txBody>
-                    <a:bodyPr/>
-                    <a:lstStyle/>
-                    <a:p>
-                      <a:r>
-                        <a:rPr lang="en-US" sz="2100" dirty="0" smtClean="0"/>
-                        <a:t>11</a:t>
-                      </a:r>
-                      <a:endParaRPr lang="en-US" sz="2100" dirty="0"/>
-                    </a:p>
-                  </a:txBody>
-                  <a:tcPr/>
-                </a:tc>
-              </a:tr>
-              <a:tr h="468086">
-                <a:tc>
-                  <a:txBody>
-                    <a:bodyPr/>
-                    <a:lstStyle/>
-                    <a:p>
-                      <a:r>
-                        <a:rPr lang="en-US" sz="2100" dirty="0" smtClean="0"/>
-                        <a:t>1</a:t>
-                      </a:r>
-                      <a:endParaRPr lang="en-US" sz="2100" dirty="0"/>
-                    </a:p>
-                  </a:txBody>
-                  <a:tcPr/>
-                </a:tc>
-                <a:tc>
-                  <a:txBody>
-                    <a:bodyPr/>
-                    <a:lstStyle/>
-                    <a:p>
-                      <a:r>
-                        <a:rPr lang="en-US" sz="2100" dirty="0" smtClean="0"/>
-                        <a:t>12</a:t>
-                      </a:r>
-                      <a:endParaRPr lang="en-US" sz="2100" dirty="0"/>
-                    </a:p>
-                  </a:txBody>
-                  <a:tcPr/>
-                </a:tc>
-              </a:tr>
-              <a:tr h="468086">
-                <a:tc>
-                  <a:txBody>
-                    <a:bodyPr/>
-                    <a:lstStyle/>
-                    <a:p>
-                      <a:r>
-                        <a:rPr lang="en-US" sz="2100" dirty="0" smtClean="0"/>
-                        <a:t>6</a:t>
-                      </a:r>
-                      <a:endParaRPr lang="en-US" sz="2100" dirty="0"/>
-                    </a:p>
-                  </a:txBody>
-                  <a:tcPr/>
-                </a:tc>
-                <a:tc>
-                  <a:txBody>
-                    <a:bodyPr/>
-                    <a:lstStyle/>
-                    <a:p>
-                      <a:r>
-                        <a:rPr lang="en-US" sz="2100" dirty="0" smtClean="0"/>
-                        <a:t>18</a:t>
-                      </a:r>
-                      <a:endParaRPr lang="en-US" sz="2100" dirty="0"/>
-                    </a:p>
-                  </a:txBody>
-                  <a:tcPr/>
-                </a:tc>
-              </a:tr>
-              <a:tr h="468086">
-                <a:tc>
-                  <a:txBody>
-                    <a:bodyPr/>
-                    <a:lstStyle/>
-                    <a:p>
-                      <a:r>
-                        <a:rPr lang="en-US" sz="2100" dirty="0" smtClean="0"/>
-                        <a:t>3</a:t>
-                      </a:r>
-                      <a:endParaRPr lang="en-US" sz="2100" dirty="0"/>
-                    </a:p>
-                  </a:txBody>
-                  <a:tcPr/>
-                </a:tc>
-                <a:tc>
-                  <a:txBody>
-                    <a:bodyPr/>
-                    <a:lstStyle/>
-                    <a:p>
-                      <a:r>
-                        <a:rPr lang="en-US" sz="2100" dirty="0" smtClean="0"/>
-                        <a:t>21</a:t>
-                      </a:r>
-                      <a:endParaRPr lang="en-US" sz="2100" dirty="0"/>
-                    </a:p>
-                  </a:txBody>
-                  <a:tcPr/>
-                </a:tc>
-              </a:tr>
-            </a:tbl>
-          </a:graphicData>
-        </a:graphic>
-      </p:graphicFrame>
     </p:spTree>
   </p:cSld>
   <p:clrMapOvr>
@@ -6255,7 +7544,7 @@
           <a:p>
             <a:r>
               <a:rPr lang="en-US" dirty="0" smtClean="0"/>
-              <a:t>How Prefix Sum will be applied</a:t>
+              <a:t>Uncompressing the Index.</a:t>
             </a:r>
             <a:endParaRPr lang="en-US" dirty="0"/>
           </a:p>
@@ -6276,32 +7565,51 @@
           <a:bodyPr/>
           <a:lstStyle/>
           <a:p>
-            <a:r>
-              <a:rPr lang="en-US" dirty="0" smtClean="0"/>
-              <a:t>Many uses for prefix sum but our use will be to uncompress a previously compressed index, that will be sent to memory.</a:t>
-            </a:r>
-          </a:p>
-          <a:p>
-            <a:pPr lvl="1"/>
-            <a:r>
-              <a:rPr lang="en-US" dirty="0" smtClean="0"/>
-              <a:t>A3B1C7</a:t>
-            </a:r>
-          </a:p>
-          <a:p>
-            <a:pPr lvl="1"/>
-            <a:r>
-              <a:rPr lang="en-US" dirty="0" smtClean="0"/>
-              <a:t>AAABCCCCCCC</a:t>
-            </a:r>
-          </a:p>
-          <a:p>
-            <a:endParaRPr lang="en-US" dirty="0" smtClean="0"/>
-          </a:p>
-          <a:p>
-            <a:r>
-              <a:rPr lang="en-US" dirty="0" smtClean="0"/>
-              <a:t>Source:</a:t>
+            <a:pPr marL="274320" lvl="1" indent="-274320">
+              <a:buClr>
+                <a:schemeClr val="accent3"/>
+              </a:buClr>
+              <a:buSzPct val="95000"/>
+            </a:pPr>
+            <a:r>
+              <a:rPr lang="en-US" dirty="0" smtClean="0"/>
+              <a:t>An Array of Symbols. (Distinct attribute values)</a:t>
+            </a:r>
+          </a:p>
+          <a:p>
+            <a:pPr marL="274320" lvl="1" indent="-274320">
+              <a:buClr>
+                <a:schemeClr val="accent3"/>
+              </a:buClr>
+              <a:buSzPct val="95000"/>
+            </a:pPr>
+            <a:r>
+              <a:rPr lang="en-US" dirty="0" smtClean="0"/>
+              <a:t>An Array of Lengths. (Frequencies of each of those attribute values)</a:t>
+            </a:r>
+          </a:p>
+          <a:p>
+            <a:pPr marL="274320" lvl="1" indent="-274320">
+              <a:buClr>
+                <a:schemeClr val="accent3"/>
+              </a:buClr>
+              <a:buSzPct val="95000"/>
+            </a:pPr>
+            <a:r>
+              <a:rPr lang="en-US" dirty="0" smtClean="0"/>
+              <a:t>Run the </a:t>
+            </a:r>
+            <a:r>
+              <a:rPr lang="en-US" u="sng" dirty="0" smtClean="0"/>
+              <a:t>Prefix Sum </a:t>
+            </a:r>
+            <a:r>
+              <a:rPr lang="en-US" dirty="0" smtClean="0"/>
+              <a:t>algorithm on the array of lengths, and then obtain an </a:t>
+            </a:r>
+            <a:r>
+              <a:rPr lang="en-US" u="sng" dirty="0" smtClean="0"/>
+              <a:t>Exclusive Scan</a:t>
             </a:r>
           </a:p>
         </p:txBody>
@@ -6311,6 +7619,13 @@
   <p:clrMapOvr>
     <a:masterClrMapping/>
   </p:clrMapOvr>
+  <p:timing>
+    <p:tnLst>
+      <p:par>
+        <p:cTn id="1" dur="indefinite" restart="never" nodeType="tmRoot"/>
+      </p:par>
+    </p:tnLst>
+  </p:timing>
 </p:sld>
 </file>
 
@@ -6333,7 +7648,7 @@
       </p:grpSpPr>
       <p:sp>
         <p:nvSpPr>
-          <p:cNvPr id="30" name="Title 29"/>
+          <p:cNvPr id="2" name="Title 1"/>
           <p:cNvSpPr>
             <a:spLocks noGrp="1"/>
           </p:cNvSpPr>
@@ -6343,10 +7658,464 @@
         </p:nvSpPr>
         <p:spPr/>
         <p:txBody>
-          <a:bodyPr/>
-          <a:lstStyle/>
-          <a:p>
-            <a:endParaRPr lang="en-US"/>
+          <a:bodyPr>
+            <a:normAutofit fontScale="90000"/>
+          </a:bodyPr>
+          <a:lstStyle/>
+          <a:p>
+            <a:r>
+              <a:rPr lang="en-US" dirty="0" smtClean="0"/>
+              <a:t>Prefix </a:t>
+            </a:r>
+            <a:r>
+              <a:rPr lang="en-US" dirty="0" smtClean="0"/>
+              <a:t>Sum</a:t>
+            </a:r>
+            <a:br>
+              <a:rPr lang="en-US" dirty="0" smtClean="0"/>
+            </a:br>
+            <a:endParaRPr lang="en-US" dirty="0"/>
+          </a:p>
+        </p:txBody>
+      </p:sp>
+      <p:graphicFrame>
+        <p:nvGraphicFramePr>
+          <p:cNvPr id="5" name="Table 4"/>
+          <p:cNvGraphicFramePr>
+            <a:graphicFrameLocks noGrp="1"/>
+          </p:cNvGraphicFramePr>
+          <p:nvPr/>
+        </p:nvGraphicFramePr>
+        <p:xfrm>
+          <a:off x="685800" y="1447800"/>
+          <a:ext cx="2209800" cy="3200400"/>
+        </p:xfrm>
+        <a:graphic>
+          <a:graphicData uri="http://schemas.openxmlformats.org/drawingml/2006/table">
+            <a:tbl>
+              <a:tblPr firstRow="1" bandRow="1">
+                <a:tableStyleId>{5940675A-B579-460E-94D1-54222C63F5DA}</a:tableStyleId>
+              </a:tblPr>
+              <a:tblGrid>
+                <a:gridCol w="1104900"/>
+                <a:gridCol w="1104900"/>
+              </a:tblGrid>
+              <a:tr h="424543">
+                <a:tc>
+                  <a:txBody>
+                    <a:bodyPr/>
+                    <a:lstStyle/>
+                    <a:p>
+                      <a:r>
+                        <a:rPr lang="en-US" sz="2400" dirty="0" smtClean="0"/>
+                        <a:t>3</a:t>
+                      </a:r>
+                      <a:endParaRPr lang="en-US" sz="2400" dirty="0"/>
+                    </a:p>
+                  </a:txBody>
+                  <a:tcPr/>
+                </a:tc>
+                <a:tc>
+                  <a:txBody>
+                    <a:bodyPr/>
+                    <a:lstStyle/>
+                    <a:p>
+                      <a:r>
+                        <a:rPr lang="en-US" sz="2400" dirty="0" smtClean="0"/>
+                        <a:t>3</a:t>
+                      </a:r>
+                      <a:endParaRPr lang="en-US" sz="2400" dirty="0"/>
+                    </a:p>
+                  </a:txBody>
+                  <a:tcPr/>
+                </a:tc>
+              </a:tr>
+              <a:tr h="424543">
+                <a:tc>
+                  <a:txBody>
+                    <a:bodyPr/>
+                    <a:lstStyle/>
+                    <a:p>
+                      <a:r>
+                        <a:rPr lang="en-US" sz="2400" dirty="0" smtClean="0"/>
+                        <a:t>1</a:t>
+                      </a:r>
+                      <a:endParaRPr lang="en-US" sz="2400" dirty="0"/>
+                    </a:p>
+                  </a:txBody>
+                  <a:tcPr/>
+                </a:tc>
+                <a:tc>
+                  <a:txBody>
+                    <a:bodyPr/>
+                    <a:lstStyle/>
+                    <a:p>
+                      <a:r>
+                        <a:rPr lang="en-US" sz="2400" dirty="0" smtClean="0"/>
+                        <a:t>4</a:t>
+                      </a:r>
+                      <a:endParaRPr lang="en-US" sz="2400" dirty="0"/>
+                    </a:p>
+                  </a:txBody>
+                  <a:tcPr/>
+                </a:tc>
+              </a:tr>
+              <a:tr h="424543">
+                <a:tc>
+                  <a:txBody>
+                    <a:bodyPr/>
+                    <a:lstStyle/>
+                    <a:p>
+                      <a:r>
+                        <a:rPr lang="en-US" sz="2400" dirty="0" smtClean="0"/>
+                        <a:t>7</a:t>
+                      </a:r>
+                      <a:endParaRPr lang="en-US" sz="2400" dirty="0"/>
+                    </a:p>
+                  </a:txBody>
+                  <a:tcPr/>
+                </a:tc>
+                <a:tc>
+                  <a:txBody>
+                    <a:bodyPr/>
+                    <a:lstStyle/>
+                    <a:p>
+                      <a:r>
+                        <a:rPr lang="en-US" sz="2400" dirty="0" smtClean="0"/>
+                        <a:t>11</a:t>
+                      </a:r>
+                      <a:endParaRPr lang="en-US" sz="2400" dirty="0"/>
+                    </a:p>
+                  </a:txBody>
+                  <a:tcPr/>
+                </a:tc>
+              </a:tr>
+              <a:tr h="424543">
+                <a:tc>
+                  <a:txBody>
+                    <a:bodyPr/>
+                    <a:lstStyle/>
+                    <a:p>
+                      <a:r>
+                        <a:rPr lang="en-US" sz="2400" dirty="0" smtClean="0"/>
+                        <a:t>0</a:t>
+                      </a:r>
+                      <a:endParaRPr lang="en-US" sz="2400" dirty="0"/>
+                    </a:p>
+                  </a:txBody>
+                  <a:tcPr/>
+                </a:tc>
+                <a:tc>
+                  <a:txBody>
+                    <a:bodyPr/>
+                    <a:lstStyle/>
+                    <a:p>
+                      <a:r>
+                        <a:rPr lang="en-US" sz="2400" dirty="0" smtClean="0"/>
+                        <a:t>11</a:t>
+                      </a:r>
+                      <a:endParaRPr lang="en-US" sz="2400" dirty="0"/>
+                    </a:p>
+                  </a:txBody>
+                  <a:tcPr/>
+                </a:tc>
+              </a:tr>
+              <a:tr h="424543">
+                <a:tc>
+                  <a:txBody>
+                    <a:bodyPr/>
+                    <a:lstStyle/>
+                    <a:p>
+                      <a:r>
+                        <a:rPr lang="en-US" sz="2400" dirty="0" smtClean="0"/>
+                        <a:t>1</a:t>
+                      </a:r>
+                      <a:endParaRPr lang="en-US" sz="2400" dirty="0"/>
+                    </a:p>
+                  </a:txBody>
+                  <a:tcPr/>
+                </a:tc>
+                <a:tc>
+                  <a:txBody>
+                    <a:bodyPr/>
+                    <a:lstStyle/>
+                    <a:p>
+                      <a:r>
+                        <a:rPr lang="en-US" sz="2400" dirty="0" smtClean="0"/>
+                        <a:t>12</a:t>
+                      </a:r>
+                      <a:endParaRPr lang="en-US" sz="2400" dirty="0"/>
+                    </a:p>
+                  </a:txBody>
+                  <a:tcPr/>
+                </a:tc>
+              </a:tr>
+              <a:tr h="424543">
+                <a:tc>
+                  <a:txBody>
+                    <a:bodyPr/>
+                    <a:lstStyle/>
+                    <a:p>
+                      <a:r>
+                        <a:rPr lang="en-US" sz="2400" dirty="0" smtClean="0"/>
+                        <a:t>6</a:t>
+                      </a:r>
+                      <a:endParaRPr lang="en-US" sz="2400" dirty="0"/>
+                    </a:p>
+                  </a:txBody>
+                  <a:tcPr/>
+                </a:tc>
+                <a:tc>
+                  <a:txBody>
+                    <a:bodyPr/>
+                    <a:lstStyle/>
+                    <a:p>
+                      <a:r>
+                        <a:rPr lang="en-US" sz="2400" dirty="0" smtClean="0"/>
+                        <a:t>18</a:t>
+                      </a:r>
+                      <a:endParaRPr lang="en-US" sz="2400" dirty="0"/>
+                    </a:p>
+                  </a:txBody>
+                  <a:tcPr/>
+                </a:tc>
+              </a:tr>
+              <a:tr h="424543">
+                <a:tc>
+                  <a:txBody>
+                    <a:bodyPr/>
+                    <a:lstStyle/>
+                    <a:p>
+                      <a:r>
+                        <a:rPr lang="en-US" sz="2400" dirty="0" smtClean="0"/>
+                        <a:t>3</a:t>
+                      </a:r>
+                      <a:endParaRPr lang="en-US" sz="2400" dirty="0"/>
+                    </a:p>
+                  </a:txBody>
+                  <a:tcPr/>
+                </a:tc>
+                <a:tc>
+                  <a:txBody>
+                    <a:bodyPr/>
+                    <a:lstStyle/>
+                    <a:p>
+                      <a:r>
+                        <a:rPr lang="en-US" sz="2400" dirty="0" smtClean="0"/>
+                        <a:t>21</a:t>
+                      </a:r>
+                      <a:endParaRPr lang="en-US" sz="2400" dirty="0"/>
+                    </a:p>
+                  </a:txBody>
+                  <a:tcPr/>
+                </a:tc>
+              </a:tr>
+            </a:tbl>
+          </a:graphicData>
+        </a:graphic>
+      </p:graphicFrame>
+      <p:pic>
+        <p:nvPicPr>
+          <p:cNvPr id="2050" name="Picture 2"/>
+          <p:cNvPicPr>
+            <a:picLocks noChangeAspect="1" noChangeArrowheads="1"/>
+          </p:cNvPicPr>
+          <p:nvPr/>
+        </p:nvPicPr>
+        <p:blipFill>
+          <a:blip r:embed="rId2"/>
+          <a:srcRect/>
+          <a:stretch>
+            <a:fillRect/>
+          </a:stretch>
+        </p:blipFill>
+        <p:spPr bwMode="auto">
+          <a:xfrm>
+            <a:off x="1295400" y="4876800"/>
+            <a:ext cx="6400800" cy="1712148"/>
+          </a:xfrm>
+          <a:prstGeom prst="rect">
+            <a:avLst/>
+          </a:prstGeom>
+          <a:noFill/>
+          <a:ln w="9525">
+            <a:noFill/>
+            <a:miter lim="800000"/>
+            <a:headEnd/>
+            <a:tailEnd/>
+          </a:ln>
+          <a:effectLst/>
+        </p:spPr>
+      </p:pic>
+      <p:graphicFrame>
+        <p:nvGraphicFramePr>
+          <p:cNvPr id="7" name="Table 6"/>
+          <p:cNvGraphicFramePr>
+            <a:graphicFrameLocks noGrp="1"/>
+          </p:cNvGraphicFramePr>
+          <p:nvPr/>
+        </p:nvGraphicFramePr>
+        <p:xfrm>
+          <a:off x="3848100" y="1447800"/>
+          <a:ext cx="1104900" cy="3200400"/>
+        </p:xfrm>
+        <a:graphic>
+          <a:graphicData uri="http://schemas.openxmlformats.org/drawingml/2006/table">
+            <a:tbl>
+              <a:tblPr firstRow="1" bandRow="1">
+                <a:tableStyleId>{5940675A-B579-460E-94D1-54222C63F5DA}</a:tableStyleId>
+              </a:tblPr>
+              <a:tblGrid>
+                <a:gridCol w="1104900"/>
+              </a:tblGrid>
+              <a:tr h="424543">
+                <a:tc>
+                  <a:txBody>
+                    <a:bodyPr/>
+                    <a:lstStyle/>
+                    <a:p>
+                      <a:r>
+                        <a:rPr lang="en-US" sz="2400" dirty="0" smtClean="0"/>
+                        <a:t>0</a:t>
+                      </a:r>
+                      <a:endParaRPr lang="en-US" sz="2400" dirty="0"/>
+                    </a:p>
+                  </a:txBody>
+                  <a:tcPr/>
+                </a:tc>
+              </a:tr>
+              <a:tr h="424543">
+                <a:tc>
+                  <a:txBody>
+                    <a:bodyPr/>
+                    <a:lstStyle/>
+                    <a:p>
+                      <a:r>
+                        <a:rPr lang="en-US" sz="2400" dirty="0" smtClean="0"/>
+                        <a:t>3</a:t>
+                      </a:r>
+                      <a:endParaRPr lang="en-US" sz="2400" dirty="0"/>
+                    </a:p>
+                  </a:txBody>
+                  <a:tcPr/>
+                </a:tc>
+              </a:tr>
+              <a:tr h="424543">
+                <a:tc>
+                  <a:txBody>
+                    <a:bodyPr/>
+                    <a:lstStyle/>
+                    <a:p>
+                      <a:r>
+                        <a:rPr lang="en-US" sz="2400" dirty="0" smtClean="0"/>
+                        <a:t>4</a:t>
+                      </a:r>
+                      <a:endParaRPr lang="en-US" sz="2400" dirty="0"/>
+                    </a:p>
+                  </a:txBody>
+                  <a:tcPr/>
+                </a:tc>
+              </a:tr>
+              <a:tr h="424543">
+                <a:tc>
+                  <a:txBody>
+                    <a:bodyPr/>
+                    <a:lstStyle/>
+                    <a:p>
+                      <a:r>
+                        <a:rPr lang="en-US" sz="2400" dirty="0" smtClean="0"/>
+                        <a:t>11</a:t>
+                      </a:r>
+                      <a:endParaRPr lang="en-US" sz="2400" dirty="0"/>
+                    </a:p>
+                  </a:txBody>
+                  <a:tcPr/>
+                </a:tc>
+              </a:tr>
+              <a:tr h="424543">
+                <a:tc>
+                  <a:txBody>
+                    <a:bodyPr/>
+                    <a:lstStyle/>
+                    <a:p>
+                      <a:r>
+                        <a:rPr lang="en-US" sz="2400" dirty="0" smtClean="0"/>
+                        <a:t>11</a:t>
+                      </a:r>
+                      <a:endParaRPr lang="en-US" sz="2400" dirty="0"/>
+                    </a:p>
+                  </a:txBody>
+                  <a:tcPr/>
+                </a:tc>
+              </a:tr>
+              <a:tr h="424543">
+                <a:tc>
+                  <a:txBody>
+                    <a:bodyPr/>
+                    <a:lstStyle/>
+                    <a:p>
+                      <a:r>
+                        <a:rPr lang="en-US" sz="2400" dirty="0" smtClean="0"/>
+                        <a:t>12</a:t>
+                      </a:r>
+                      <a:endParaRPr lang="en-US" sz="2400" dirty="0"/>
+                    </a:p>
+                  </a:txBody>
+                  <a:tcPr/>
+                </a:tc>
+              </a:tr>
+              <a:tr h="424543">
+                <a:tc>
+                  <a:txBody>
+                    <a:bodyPr/>
+                    <a:lstStyle/>
+                    <a:p>
+                      <a:r>
+                        <a:rPr lang="en-US" sz="2400" dirty="0" smtClean="0"/>
+                        <a:t>18</a:t>
+                      </a:r>
+                    </a:p>
+                  </a:txBody>
+                  <a:tcPr/>
+                </a:tc>
+              </a:tr>
+            </a:tbl>
+          </a:graphicData>
+        </a:graphic>
+      </p:graphicFrame>
+      <p:sp>
+        <p:nvSpPr>
+          <p:cNvPr id="8" name="TextBox 7"/>
+          <p:cNvSpPr txBox="1"/>
+          <p:nvPr/>
+        </p:nvSpPr>
+        <p:spPr>
+          <a:xfrm>
+            <a:off x="5486400" y="4114800"/>
+            <a:ext cx="3352800" cy="646331"/>
+          </a:xfrm>
+          <a:prstGeom prst="rect">
+            <a:avLst/>
+          </a:prstGeom>
+          <a:noFill/>
+        </p:spPr>
+        <p:txBody>
+          <a:bodyPr wrap="square" rtlCol="0">
+            <a:spAutoFit/>
+          </a:bodyPr>
+          <a:lstStyle/>
+          <a:p>
+            <a:r>
+              <a:rPr lang="en-US" dirty="0" smtClean="0"/>
+              <a:t>Sequential Algorithm of </a:t>
+            </a:r>
+          </a:p>
+          <a:p>
+            <a:r>
+              <a:rPr lang="en-US" dirty="0" smtClean="0"/>
+              <a:t>Work complexity of O(n)</a:t>
+            </a:r>
+            <a:endParaRPr lang="en-US" dirty="0"/>
           </a:p>
         </p:txBody>
       </p:sp>

--- a/Project/InterimPresentation.pptx
+++ b/Project/InterimPresentation.pptx
@@ -4590,15 +4590,7 @@
           <a:p>
             <a:r>
               <a:rPr lang="en-US" dirty="0" smtClean="0"/>
-              <a:t>Uncompressing a Projection Index </a:t>
-            </a:r>
-            <a:r>
-              <a:rPr lang="en-US" dirty="0" smtClean="0"/>
-              <a:t>with </a:t>
-            </a:r>
-            <a:r>
-              <a:rPr lang="en-US" dirty="0" smtClean="0"/>
-              <a:t>CUDA</a:t>
+              <a:t>Uncompressing a Projection Index with CUDA</a:t>
             </a:r>
             <a:endParaRPr lang="en-US" dirty="0"/>
           </a:p>
@@ -4868,15 +4860,7 @@
                   <a:srgbClr val="FF0000"/>
                 </a:solidFill>
               </a:rPr>
-              <a:t>Parallel Prefix Sum </a:t>
-            </a:r>
-            <a:r>
-              <a:rPr lang="en-US" dirty="0" smtClean="0">
-                <a:solidFill>
-                  <a:srgbClr val="FF0000"/>
-                </a:solidFill>
-              </a:rPr>
-              <a:t>Algorithms</a:t>
+              <a:t>Parallel Prefix Sum Algorithms</a:t>
             </a:r>
           </a:p>
           <a:p>
@@ -4892,7 +4876,6 @@
               <a:rPr lang="en-US" dirty="0" smtClean="0"/>
               <a:t>Work-efficient algorithm</a:t>
             </a:r>
-            <a:endParaRPr lang="en-US" dirty="0" smtClean="0"/>
           </a:p>
           <a:p>
             <a:r>
@@ -5019,11 +5002,7 @@
           <a:p>
             <a:r>
               <a:rPr lang="en-US" dirty="0" smtClean="0"/>
-              <a:t>Source: Parallel </a:t>
-            </a:r>
-            <a:r>
-              <a:rPr lang="en-US" dirty="0" smtClean="0"/>
-              <a:t>prefix sum (scan) with CUDA</a:t>
+              <a:t>Source: Parallel prefix sum (scan) with CUDA</a:t>
             </a:r>
             <a:endParaRPr lang="en-US" dirty="0"/>
           </a:p>
@@ -5078,11 +5057,7 @@
           <a:p>
             <a:r>
               <a:rPr lang="en-US" dirty="0" smtClean="0"/>
-              <a:t>A Naïve Parallel </a:t>
-            </a:r>
-            <a:r>
-              <a:rPr lang="en-US" dirty="0" smtClean="0"/>
-              <a:t>Scan</a:t>
+              <a:t>A Naïve Parallel Scan</a:t>
             </a:r>
             <a:endParaRPr lang="en-US" dirty="0"/>
           </a:p>
@@ -5179,11 +5154,7 @@
           <a:p>
             <a:r>
               <a:rPr lang="en-US" dirty="0" smtClean="0"/>
-              <a:t>Source: Parallel </a:t>
-            </a:r>
-            <a:r>
-              <a:rPr lang="en-US" dirty="0" smtClean="0"/>
-              <a:t>prefix sum (scan) with CUDA</a:t>
+              <a:t>Source: Parallel prefix sum (scan) with CUDA</a:t>
             </a:r>
             <a:endParaRPr lang="en-US" dirty="0"/>
           </a:p>
@@ -5368,11 +5339,7 @@
           <a:p>
             <a:r>
               <a:rPr lang="en-US" dirty="0" smtClean="0"/>
-              <a:t>Source: Parallel </a:t>
-            </a:r>
-            <a:r>
-              <a:rPr lang="en-US" dirty="0" smtClean="0"/>
-              <a:t>prefix sum (scan) with CUDA</a:t>
+              <a:t>Source: Parallel prefix sum (scan) with CUDA</a:t>
             </a:r>
             <a:endParaRPr lang="en-US" dirty="0"/>
           </a:p>
@@ -5494,11 +5461,7 @@
           <a:p>
             <a:r>
               <a:rPr lang="en-US" dirty="0" smtClean="0"/>
-              <a:t>Source: Parallel </a:t>
-            </a:r>
-            <a:r>
-              <a:rPr lang="en-US" dirty="0" smtClean="0"/>
-              <a:t>prefix sum (scan) with CUDA</a:t>
+              <a:t>Source: Parallel prefix sum (scan) with CUDA</a:t>
             </a:r>
             <a:endParaRPr lang="en-US" dirty="0"/>
           </a:p>
@@ -5620,11 +5583,7 @@
           <a:p>
             <a:r>
               <a:rPr lang="en-US" dirty="0" smtClean="0"/>
-              <a:t>Source: Parallel </a:t>
-            </a:r>
-            <a:r>
-              <a:rPr lang="en-US" dirty="0" smtClean="0"/>
-              <a:t>prefix sum (scan) with CUDA</a:t>
+              <a:t>Source: Parallel prefix sum (scan) with CUDA</a:t>
             </a:r>
             <a:endParaRPr lang="en-US" dirty="0"/>
           </a:p>
@@ -5745,11 +5704,7 @@
           <a:p>
             <a:r>
               <a:rPr lang="en-US" dirty="0" smtClean="0"/>
-              <a:t>Source: Parallel </a:t>
-            </a:r>
-            <a:r>
-              <a:rPr lang="en-US" dirty="0" smtClean="0"/>
-              <a:t>prefix sum (scan) with CUDA</a:t>
+              <a:t>Source: Parallel prefix sum (scan) with CUDA</a:t>
             </a:r>
             <a:endParaRPr lang="en-US" dirty="0"/>
           </a:p>
@@ -5853,11 +5808,7 @@
           <a:p>
             <a:r>
               <a:rPr lang="en-US" dirty="0" smtClean="0"/>
-              <a:t>Parallel Prefix Sum </a:t>
-            </a:r>
-            <a:r>
-              <a:rPr lang="en-US" dirty="0" smtClean="0"/>
-              <a:t>Algorithms</a:t>
+              <a:t>Parallel Prefix Sum Algorithms</a:t>
             </a:r>
           </a:p>
           <a:p>
@@ -5873,7 +5824,6 @@
               <a:rPr lang="en-US" dirty="0" smtClean="0"/>
               <a:t>Work-efficient algorithm</a:t>
             </a:r>
-            <a:endParaRPr lang="en-US" dirty="0" smtClean="0"/>
           </a:p>
           <a:p>
             <a:r>
@@ -5964,43 +5914,7 @@
           <a:p>
             <a:r>
               <a:rPr lang="en-US" dirty="0" smtClean="0"/>
-              <a:t>To </a:t>
-            </a:r>
-            <a:r>
-              <a:rPr lang="en-US" dirty="0" smtClean="0"/>
-              <a:t>conclude</a:t>
-            </a:r>
-            <a:r>
-              <a:rPr lang="en-US" dirty="0" smtClean="0"/>
-              <a:t> </a:t>
-            </a:r>
-            <a:r>
-              <a:rPr lang="en-US" dirty="0" smtClean="0"/>
-              <a:t>the project a </a:t>
-            </a:r>
-            <a:r>
-              <a:rPr lang="en-US" dirty="0" smtClean="0"/>
-              <a:t>benchmark test will </a:t>
-            </a:r>
-            <a:r>
-              <a:rPr lang="en-US" dirty="0" smtClean="0"/>
-              <a:t>compare and find the cases where a compressed index can be more readily available to the GPU by uncompressing as </a:t>
-            </a:r>
-            <a:r>
-              <a:rPr lang="en-US" dirty="0" smtClean="0"/>
-              <a:t>opposed to loading </a:t>
-            </a:r>
-            <a:r>
-              <a:rPr lang="en-US" dirty="0" smtClean="0"/>
-              <a:t>it as an uncompressed </a:t>
-            </a:r>
-            <a:r>
-              <a:rPr lang="en-US" dirty="0" smtClean="0"/>
-              <a:t>index</a:t>
-            </a:r>
-            <a:r>
-              <a:rPr lang="en-US" dirty="0" smtClean="0"/>
-              <a:t>.</a:t>
+              <a:t>To conclude the project a benchmark test will compare and find the cases where a compressed index can be more readily available to the GPU by uncompressing as opposed to loading it as an uncompressed index.</a:t>
             </a:r>
           </a:p>
           <a:p>
@@ -6012,11 +5926,15 @@
           <a:p>
             <a:r>
               <a:rPr lang="en-US" dirty="0" smtClean="0"/>
-              <a:t>Projection index with </a:t>
-            </a:r>
-            <a:r>
-              <a:rPr lang="en-US" dirty="0" smtClean="0"/>
-              <a:t>fixed size of elements and then increasing the number of different elements from 2 to half the size of elements.</a:t>
+              <a:t>Projection index with fixed size of elements and then increasing the number of different elements from 2 </a:t>
+            </a:r>
+            <a:r>
+              <a:rPr lang="en-US" dirty="0" smtClean="0"/>
+              <a:t>different to having all elements with </a:t>
+            </a:r>
+            <a:r>
+              <a:rPr lang="en-US" smtClean="0"/>
+              <a:t>a frequency of 3.</a:t>
             </a:r>
             <a:endParaRPr lang="en-US" dirty="0" smtClean="0"/>
           </a:p>
@@ -6136,11 +6054,7 @@
           <a:p>
             <a:r>
               <a:rPr lang="en-US" dirty="0" smtClean="0"/>
-              <a:t>Parallel Prefix Sum </a:t>
-            </a:r>
-            <a:r>
-              <a:rPr lang="en-US" dirty="0" smtClean="0"/>
-              <a:t>Algorithms</a:t>
+              <a:t>Parallel Prefix Sum Algorithms</a:t>
             </a:r>
           </a:p>
           <a:p>
@@ -6156,7 +6070,6 @@
               <a:rPr lang="en-US" dirty="0" smtClean="0"/>
               <a:t>Work-efficient algorithm</a:t>
             </a:r>
-            <a:endParaRPr lang="en-US" dirty="0" smtClean="0"/>
           </a:p>
           <a:p>
             <a:r>
@@ -6259,11 +6172,7 @@
           <a:p>
             <a:r>
               <a:rPr lang="en-US" dirty="0" smtClean="0"/>
-              <a:t>Guy </a:t>
-            </a:r>
-            <a:r>
-              <a:rPr lang="en-US" dirty="0" smtClean="0"/>
-              <a:t>E. </a:t>
+              <a:t>Guy E. </a:t>
             </a:r>
             <a:r>
               <a:rPr lang="en-US" dirty="0" err="1" smtClean="0"/>
@@ -6283,41 +6192,21 @@
             </a:r>
             <a:r>
               <a:rPr lang="de-DE" dirty="0" smtClean="0"/>
-              <a:t>of Parallel Algorithms, Morgan Kaufmann, 1990</a:t>
-            </a:r>
-            <a:r>
-              <a:rPr lang="de-DE" dirty="0" smtClean="0"/>
-              <a:t>.</a:t>
-            </a:r>
-          </a:p>
-          <a:p>
-            <a:r>
-              <a:rPr lang="en-US" dirty="0" smtClean="0"/>
-              <a:t>HARRIS M., SENGUPTA S., OWENS J. D.: </a:t>
-            </a:r>
-            <a:r>
-              <a:rPr lang="en-US" dirty="0" smtClean="0"/>
-              <a:t>Parallel prefix </a:t>
-            </a:r>
-            <a:r>
-              <a:rPr lang="en-US" dirty="0" smtClean="0"/>
-              <a:t>sum (scan) with CUDA. In </a:t>
+              <a:t>of Parallel Algorithms, Morgan Kaufmann, 1990.</a:t>
+            </a:r>
+          </a:p>
+          <a:p>
+            <a:r>
+              <a:rPr lang="en-US" dirty="0" smtClean="0"/>
+              <a:t>HARRIS M., SENGUPTA S., OWENS J. D.: Parallel prefix sum (scan) with CUDA. In </a:t>
             </a:r>
             <a:r>
               <a:rPr lang="en-US" i="1" dirty="0" smtClean="0"/>
-              <a:t>GPU Gems </a:t>
-            </a:r>
-            <a:r>
-              <a:rPr lang="en-US" i="1" dirty="0" smtClean="0"/>
-              <a:t>3, </a:t>
-            </a:r>
-            <a:r>
-              <a:rPr lang="en-US" dirty="0" smtClean="0"/>
-              <a:t>Nguyen </a:t>
-            </a:r>
-            <a:r>
-              <a:rPr lang="en-US" dirty="0" smtClean="0"/>
-              <a:t>H., (Ed.). Addison Wesley, Aug. 2007, </a:t>
+              <a:t>GPU Gems 3, </a:t>
+            </a:r>
+            <a:r>
+              <a:rPr lang="en-US" dirty="0" smtClean="0"/>
+              <a:t>Nguyen H., (Ed.). Addison Wesley, Aug. 2007, </a:t>
             </a:r>
             <a:r>
               <a:rPr lang="en-US" dirty="0" err="1" smtClean="0"/>
@@ -6327,7 +6216,6 @@
               <a:rPr lang="en-US" dirty="0" smtClean="0"/>
               <a:t>. 31.</a:t>
             </a:r>
-            <a:endParaRPr lang="en-US" dirty="0" smtClean="0"/>
           </a:p>
         </p:txBody>
       </p:sp>
@@ -6486,11 +6374,7 @@
             <a:pPr algn="just"/>
             <a:r>
               <a:rPr lang="en-US" sz="2800" dirty="0" smtClean="0"/>
-              <a:t>The approach taken to </a:t>
-            </a:r>
-            <a:r>
-              <a:rPr lang="en-US" sz="2800" dirty="0" smtClean="0"/>
-              <a:t>improve on this problem is to reduce the size of the data that needs to be transferred. </a:t>
+              <a:t>The approach taken to improve on this problem is to reduce the size of the data that needs to be transferred. </a:t>
             </a:r>
           </a:p>
           <a:p>
@@ -6604,11 +6488,7 @@
           <a:p>
             <a:r>
               <a:rPr lang="en-US" dirty="0" smtClean="0"/>
-              <a:t>Parallel Prefix Sum </a:t>
-            </a:r>
-            <a:r>
-              <a:rPr lang="en-US" dirty="0" smtClean="0"/>
-              <a:t>Algorithms</a:t>
+              <a:t>Parallel Prefix Sum Algorithms</a:t>
             </a:r>
           </a:p>
           <a:p>
@@ -6624,7 +6504,6 @@
               <a:rPr lang="en-US" dirty="0" smtClean="0"/>
               <a:t>Work-efficient algorithm</a:t>
             </a:r>
-            <a:endParaRPr lang="en-US" dirty="0" smtClean="0"/>
           </a:p>
           <a:p>
             <a:r>
@@ -7149,15 +7028,7 @@
           <a:p>
             <a:r>
               <a:rPr lang="en-US" dirty="0" smtClean="0"/>
-              <a:t>It will then be uncompressed in the GPU using a </a:t>
-            </a:r>
-            <a:r>
-              <a:rPr lang="en-US" dirty="0" smtClean="0"/>
-              <a:t>prefix </a:t>
-            </a:r>
-            <a:r>
-              <a:rPr lang="en-US" dirty="0" smtClean="0"/>
-              <a:t>sum algorithm.</a:t>
+              <a:t>It will then be uncompressed in the GPU using a prefix sum algorithm.</a:t>
             </a:r>
             <a:endParaRPr lang="en-US" dirty="0"/>
           </a:p>
@@ -7665,11 +7536,7 @@
           <a:p>
             <a:r>
               <a:rPr lang="en-US" dirty="0" smtClean="0"/>
-              <a:t>Prefix </a:t>
-            </a:r>
-            <a:r>
-              <a:rPr lang="en-US" dirty="0" smtClean="0"/>
-              <a:t>Sum</a:t>
+              <a:t>Prefix Sum</a:t>
             </a:r>
             <a:br>
               <a:rPr lang="en-US" dirty="0" smtClean="0"/>
